--- a/5) Introducción a Hooks.pptx
+++ b/5) Introducción a Hooks.pptx
@@ -1,25 +1,120 @@
 
 <file path=ppt/presentation.xml><?xml version="1.0" encoding="utf-8"?>
-<p:presentation xmlns:a="http://schemas.openxmlformats.org/drawingml/2006/main" xmlns:p="http://schemas.openxmlformats.org/presentationml/2006/main" xmlns:r="http://schemas.openxmlformats.org/officeDocument/2006/relationships" xmlns:p14="http://schemas.microsoft.com/office/powerpoint/2010/main" xmlns:p15="http://schemas.microsoft.com/office/powerpoint/2012/main" xmlns:mc="http://schemas.openxmlformats.org/markup-compatibility/2006">
+<p:presentation xmlns:a="http://schemas.openxmlformats.org/drawingml/2006/main" xmlns:r="http://schemas.openxmlformats.org/officeDocument/2006/relationships" xmlns:p="http://schemas.openxmlformats.org/presentationml/2006/main">
   <p:sldMasterIdLst>
-    <p:sldMasterId id="2147483648" r:id="rId2"/>
-    <p:sldMasterId id="2147483661" r:id="rId3"/>
+    <p:sldMasterId id="2147483648" r:id="rId1"/>
+    <p:sldMasterId id="2147483661" r:id="rId2"/>
   </p:sldMasterIdLst>
   <p:sldIdLst>
-    <p:sldId id="256" r:id="rId4"/>
-    <p:sldId id="257" r:id="rId5"/>
-    <p:sldId id="258" r:id="rId6"/>
-    <p:sldId id="259" r:id="rId7"/>
-    <p:sldId id="260" r:id="rId8"/>
-    <p:sldId id="261" r:id="rId9"/>
+    <p:sldId id="256" r:id="rId3"/>
+    <p:sldId id="257" r:id="rId4"/>
+    <p:sldId id="258" r:id="rId5"/>
+    <p:sldId id="259" r:id="rId6"/>
+    <p:sldId id="260" r:id="rId7"/>
+    <p:sldId id="261" r:id="rId8"/>
   </p:sldIdLst>
   <p:sldSz cx="10080625" cy="7559675"/>
   <p:notesSz cx="7772400" cy="10058400"/>
+  <p:defaultTextStyle>
+    <a:defPPr>
+      <a:defRPr lang="es-ES"/>
+    </a:defPPr>
+    <a:lvl1pPr marL="0" algn="l" defTabSz="914400" rtl="0" eaLnBrk="1" latinLnBrk="0" hangingPunct="1">
+      <a:defRPr sz="1800" kern="1200">
+        <a:solidFill>
+          <a:schemeClr val="tx1"/>
+        </a:solidFill>
+        <a:latin typeface="+mn-lt"/>
+        <a:ea typeface="+mn-ea"/>
+        <a:cs typeface="+mn-cs"/>
+      </a:defRPr>
+    </a:lvl1pPr>
+    <a:lvl2pPr marL="457200" algn="l" defTabSz="914400" rtl="0" eaLnBrk="1" latinLnBrk="0" hangingPunct="1">
+      <a:defRPr sz="1800" kern="1200">
+        <a:solidFill>
+          <a:schemeClr val="tx1"/>
+        </a:solidFill>
+        <a:latin typeface="+mn-lt"/>
+        <a:ea typeface="+mn-ea"/>
+        <a:cs typeface="+mn-cs"/>
+      </a:defRPr>
+    </a:lvl2pPr>
+    <a:lvl3pPr marL="914400" algn="l" defTabSz="914400" rtl="0" eaLnBrk="1" latinLnBrk="0" hangingPunct="1">
+      <a:defRPr sz="1800" kern="1200">
+        <a:solidFill>
+          <a:schemeClr val="tx1"/>
+        </a:solidFill>
+        <a:latin typeface="+mn-lt"/>
+        <a:ea typeface="+mn-ea"/>
+        <a:cs typeface="+mn-cs"/>
+      </a:defRPr>
+    </a:lvl3pPr>
+    <a:lvl4pPr marL="1371600" algn="l" defTabSz="914400" rtl="0" eaLnBrk="1" latinLnBrk="0" hangingPunct="1">
+      <a:defRPr sz="1800" kern="1200">
+        <a:solidFill>
+          <a:schemeClr val="tx1"/>
+        </a:solidFill>
+        <a:latin typeface="+mn-lt"/>
+        <a:ea typeface="+mn-ea"/>
+        <a:cs typeface="+mn-cs"/>
+      </a:defRPr>
+    </a:lvl4pPr>
+    <a:lvl5pPr marL="1828800" algn="l" defTabSz="914400" rtl="0" eaLnBrk="1" latinLnBrk="0" hangingPunct="1">
+      <a:defRPr sz="1800" kern="1200">
+        <a:solidFill>
+          <a:schemeClr val="tx1"/>
+        </a:solidFill>
+        <a:latin typeface="+mn-lt"/>
+        <a:ea typeface="+mn-ea"/>
+        <a:cs typeface="+mn-cs"/>
+      </a:defRPr>
+    </a:lvl5pPr>
+    <a:lvl6pPr marL="2286000" algn="l" defTabSz="914400" rtl="0" eaLnBrk="1" latinLnBrk="0" hangingPunct="1">
+      <a:defRPr sz="1800" kern="1200">
+        <a:solidFill>
+          <a:schemeClr val="tx1"/>
+        </a:solidFill>
+        <a:latin typeface="+mn-lt"/>
+        <a:ea typeface="+mn-ea"/>
+        <a:cs typeface="+mn-cs"/>
+      </a:defRPr>
+    </a:lvl6pPr>
+    <a:lvl7pPr marL="2743200" algn="l" defTabSz="914400" rtl="0" eaLnBrk="1" latinLnBrk="0" hangingPunct="1">
+      <a:defRPr sz="1800" kern="1200">
+        <a:solidFill>
+          <a:schemeClr val="tx1"/>
+        </a:solidFill>
+        <a:latin typeface="+mn-lt"/>
+        <a:ea typeface="+mn-ea"/>
+        <a:cs typeface="+mn-cs"/>
+      </a:defRPr>
+    </a:lvl7pPr>
+    <a:lvl8pPr marL="3200400" algn="l" defTabSz="914400" rtl="0" eaLnBrk="1" latinLnBrk="0" hangingPunct="1">
+      <a:defRPr sz="1800" kern="1200">
+        <a:solidFill>
+          <a:schemeClr val="tx1"/>
+        </a:solidFill>
+        <a:latin typeface="+mn-lt"/>
+        <a:ea typeface="+mn-ea"/>
+        <a:cs typeface="+mn-cs"/>
+      </a:defRPr>
+    </a:lvl8pPr>
+    <a:lvl9pPr marL="3657600" algn="l" defTabSz="914400" rtl="0" eaLnBrk="1" latinLnBrk="0" hangingPunct="1">
+      <a:defRPr sz="1800" kern="1200">
+        <a:solidFill>
+          <a:schemeClr val="tx1"/>
+        </a:solidFill>
+        <a:latin typeface="+mn-lt"/>
+        <a:ea typeface="+mn-ea"/>
+        <a:cs typeface="+mn-cs"/>
+      </a:defRPr>
+    </a:lvl9pPr>
+  </p:defaultTextStyle>
 </p:presentation>
 </file>
 
 <file path=ppt/slideLayouts/slideLayout1.xml><?xml version="1.0" encoding="utf-8"?>
-<p:sldLayout xmlns:a="http://schemas.openxmlformats.org/drawingml/2006/main" xmlns:p="http://schemas.openxmlformats.org/presentationml/2006/main" xmlns:r="http://schemas.openxmlformats.org/officeDocument/2006/relationships" xmlns:p14="http://schemas.microsoft.com/office/powerpoint/2010/main" xmlns:p15="http://schemas.microsoft.com/office/powerpoint/2012/main" xmlns:mc="http://schemas.openxmlformats.org/markup-compatibility/2006" type="blank" preserve="1">
+<p:sldLayout xmlns:a="http://schemas.openxmlformats.org/drawingml/2006/main" xmlns:r="http://schemas.openxmlformats.org/officeDocument/2006/relationships" xmlns:p="http://schemas.openxmlformats.org/presentationml/2006/main" type="blank" preserve="1">
   <p:cSld name="Blank Slide">
     <p:spTree>
       <p:nvGrpSpPr>
@@ -37,11 +132,14 @@
       </p:grpSpPr>
     </p:spTree>
   </p:cSld>
+  <p:clrMapOvr>
+    <a:masterClrMapping/>
+  </p:clrMapOvr>
 </p:sldLayout>
 </file>
 
 <file path=ppt/slideLayouts/slideLayout10.xml><?xml version="1.0" encoding="utf-8"?>
-<p:sldLayout xmlns:a="http://schemas.openxmlformats.org/drawingml/2006/main" xmlns:p="http://schemas.openxmlformats.org/presentationml/2006/main" xmlns:r="http://schemas.openxmlformats.org/officeDocument/2006/relationships" xmlns:p14="http://schemas.microsoft.com/office/powerpoint/2010/main" xmlns:p15="http://schemas.microsoft.com/office/powerpoint/2012/main" xmlns:mc="http://schemas.openxmlformats.org/markup-compatibility/2006" type="objOverTx" preserve="1">
+<p:sldLayout xmlns:a="http://schemas.openxmlformats.org/drawingml/2006/main" xmlns:r="http://schemas.openxmlformats.org/officeDocument/2006/relationships" xmlns:p="http://schemas.openxmlformats.org/presentationml/2006/main" type="objOverTx" preserve="1">
   <p:cSld name="Title, Content over Content">
     <p:spTree>
       <p:nvGrpSpPr>
@@ -77,12 +175,13 @@
           </a:prstGeom>
         </p:spPr>
         <p:txBody>
-          <a:bodyPr lIns="0" rIns="0" tIns="0" bIns="0" anchor="ctr">
+          <a:bodyPr lIns="0" tIns="0" rIns="0" bIns="0" anchor="ctr">
             <a:spAutoFit/>
           </a:bodyPr>
+          <a:lstStyle/>
           <a:p>
             <a:pPr algn="ctr"/>
-            <a:endParaRPr b="0" lang="es-CR" sz="4400" spc="-1" strike="noStrike">
+            <a:endParaRPr lang="es-CR" sz="4400" b="0" strike="noStrike" spc="-1">
               <a:latin typeface="Arial"/>
             </a:endParaRPr>
           </a:p>
@@ -108,11 +207,12 @@
           </a:prstGeom>
         </p:spPr>
         <p:txBody>
-          <a:bodyPr lIns="0" rIns="0" tIns="0" bIns="0">
+          <a:bodyPr lIns="0" tIns="0" rIns="0" bIns="0">
             <a:normAutofit/>
           </a:bodyPr>
-          <a:p>
-            <a:endParaRPr b="0" lang="es-CR" sz="3200" spc="-1" strike="noStrike">
+          <a:lstStyle/>
+          <a:p>
+            <a:endParaRPr lang="es-CR" sz="3200" b="0" strike="noStrike" spc="-1">
               <a:latin typeface="Arial"/>
             </a:endParaRPr>
           </a:p>
@@ -138,11 +238,12 @@
           </a:prstGeom>
         </p:spPr>
         <p:txBody>
-          <a:bodyPr lIns="0" rIns="0" tIns="0" bIns="0">
+          <a:bodyPr lIns="0" tIns="0" rIns="0" bIns="0">
             <a:normAutofit/>
           </a:bodyPr>
-          <a:p>
-            <a:endParaRPr b="0" lang="es-CR" sz="3200" spc="-1" strike="noStrike">
+          <a:lstStyle/>
+          <a:p>
+            <a:endParaRPr lang="es-CR" sz="3200" b="0" strike="noStrike" spc="-1">
               <a:latin typeface="Arial"/>
             </a:endParaRPr>
           </a:p>
@@ -150,11 +251,14 @@
       </p:sp>
     </p:spTree>
   </p:cSld>
+  <p:clrMapOvr>
+    <a:masterClrMapping/>
+  </p:clrMapOvr>
 </p:sldLayout>
 </file>
 
 <file path=ppt/slideLayouts/slideLayout11.xml><?xml version="1.0" encoding="utf-8"?>
-<p:sldLayout xmlns:a="http://schemas.openxmlformats.org/drawingml/2006/main" xmlns:p="http://schemas.openxmlformats.org/presentationml/2006/main" xmlns:r="http://schemas.openxmlformats.org/officeDocument/2006/relationships" xmlns:p14="http://schemas.microsoft.com/office/powerpoint/2010/main" xmlns:p15="http://schemas.microsoft.com/office/powerpoint/2012/main" xmlns:mc="http://schemas.openxmlformats.org/markup-compatibility/2006" type="fourObj" preserve="1">
+<p:sldLayout xmlns:a="http://schemas.openxmlformats.org/drawingml/2006/main" xmlns:r="http://schemas.openxmlformats.org/officeDocument/2006/relationships" xmlns:p="http://schemas.openxmlformats.org/presentationml/2006/main" type="fourObj" preserve="1">
   <p:cSld name="Title, 4 Content">
     <p:spTree>
       <p:nvGrpSpPr>
@@ -190,12 +294,13 @@
           </a:prstGeom>
         </p:spPr>
         <p:txBody>
-          <a:bodyPr lIns="0" rIns="0" tIns="0" bIns="0" anchor="ctr">
+          <a:bodyPr lIns="0" tIns="0" rIns="0" bIns="0" anchor="ctr">
             <a:spAutoFit/>
           </a:bodyPr>
+          <a:lstStyle/>
           <a:p>
             <a:pPr algn="ctr"/>
-            <a:endParaRPr b="0" lang="es-CR" sz="4400" spc="-1" strike="noStrike">
+            <a:endParaRPr lang="es-CR" sz="4400" b="0" strike="noStrike" spc="-1">
               <a:latin typeface="Arial"/>
             </a:endParaRPr>
           </a:p>
@@ -221,11 +326,12 @@
           </a:prstGeom>
         </p:spPr>
         <p:txBody>
-          <a:bodyPr lIns="0" rIns="0" tIns="0" bIns="0">
+          <a:bodyPr lIns="0" tIns="0" rIns="0" bIns="0">
             <a:normAutofit/>
           </a:bodyPr>
-          <a:p>
-            <a:endParaRPr b="0" lang="es-CR" sz="3200" spc="-1" strike="noStrike">
+          <a:lstStyle/>
+          <a:p>
+            <a:endParaRPr lang="es-CR" sz="3200" b="0" strike="noStrike" spc="-1">
               <a:latin typeface="Arial"/>
             </a:endParaRPr>
           </a:p>
@@ -251,11 +357,12 @@
           </a:prstGeom>
         </p:spPr>
         <p:txBody>
-          <a:bodyPr lIns="0" rIns="0" tIns="0" bIns="0">
+          <a:bodyPr lIns="0" tIns="0" rIns="0" bIns="0">
             <a:normAutofit/>
           </a:bodyPr>
-          <a:p>
-            <a:endParaRPr b="0" lang="es-CR" sz="3200" spc="-1" strike="noStrike">
+          <a:lstStyle/>
+          <a:p>
+            <a:endParaRPr lang="es-CR" sz="3200" b="0" strike="noStrike" spc="-1">
               <a:latin typeface="Arial"/>
             </a:endParaRPr>
           </a:p>
@@ -281,11 +388,12 @@
           </a:prstGeom>
         </p:spPr>
         <p:txBody>
-          <a:bodyPr lIns="0" rIns="0" tIns="0" bIns="0">
+          <a:bodyPr lIns="0" tIns="0" rIns="0" bIns="0">
             <a:normAutofit/>
           </a:bodyPr>
-          <a:p>
-            <a:endParaRPr b="0" lang="es-CR" sz="3200" spc="-1" strike="noStrike">
+          <a:lstStyle/>
+          <a:p>
+            <a:endParaRPr lang="es-CR" sz="3200" b="0" strike="noStrike" spc="-1">
               <a:latin typeface="Arial"/>
             </a:endParaRPr>
           </a:p>
@@ -311,11 +419,12 @@
           </a:prstGeom>
         </p:spPr>
         <p:txBody>
-          <a:bodyPr lIns="0" rIns="0" tIns="0" bIns="0">
+          <a:bodyPr lIns="0" tIns="0" rIns="0" bIns="0">
             <a:normAutofit/>
           </a:bodyPr>
-          <a:p>
-            <a:endParaRPr b="0" lang="es-CR" sz="3200" spc="-1" strike="noStrike">
+          <a:lstStyle/>
+          <a:p>
+            <a:endParaRPr lang="es-CR" sz="3200" b="0" strike="noStrike" spc="-1">
               <a:latin typeface="Arial"/>
             </a:endParaRPr>
           </a:p>
@@ -323,11 +432,14 @@
       </p:sp>
     </p:spTree>
   </p:cSld>
+  <p:clrMapOvr>
+    <a:masterClrMapping/>
+  </p:clrMapOvr>
 </p:sldLayout>
 </file>
 
 <file path=ppt/slideLayouts/slideLayout12.xml><?xml version="1.0" encoding="utf-8"?>
-<p:sldLayout xmlns:a="http://schemas.openxmlformats.org/drawingml/2006/main" xmlns:p="http://schemas.openxmlformats.org/presentationml/2006/main" xmlns:r="http://schemas.openxmlformats.org/officeDocument/2006/relationships" xmlns:p14="http://schemas.microsoft.com/office/powerpoint/2010/main" xmlns:p15="http://schemas.microsoft.com/office/powerpoint/2012/main" xmlns:mc="http://schemas.openxmlformats.org/markup-compatibility/2006" type="blank" preserve="1">
+<p:sldLayout xmlns:a="http://schemas.openxmlformats.org/drawingml/2006/main" xmlns:r="http://schemas.openxmlformats.org/officeDocument/2006/relationships" xmlns:p="http://schemas.openxmlformats.org/presentationml/2006/main" type="blank" preserve="1">
   <p:cSld name="Title, 6 Content">
     <p:spTree>
       <p:nvGrpSpPr>
@@ -363,12 +475,13 @@
           </a:prstGeom>
         </p:spPr>
         <p:txBody>
-          <a:bodyPr lIns="0" rIns="0" tIns="0" bIns="0" anchor="ctr">
+          <a:bodyPr lIns="0" tIns="0" rIns="0" bIns="0" anchor="ctr">
             <a:spAutoFit/>
           </a:bodyPr>
+          <a:lstStyle/>
           <a:p>
             <a:pPr algn="ctr"/>
-            <a:endParaRPr b="0" lang="es-CR" sz="4400" spc="-1" strike="noStrike">
+            <a:endParaRPr lang="es-CR" sz="4400" b="0" strike="noStrike" spc="-1">
               <a:latin typeface="Arial"/>
             </a:endParaRPr>
           </a:p>
@@ -394,11 +507,12 @@
           </a:prstGeom>
         </p:spPr>
         <p:txBody>
-          <a:bodyPr lIns="0" rIns="0" tIns="0" bIns="0">
+          <a:bodyPr lIns="0" tIns="0" rIns="0" bIns="0">
             <a:normAutofit/>
           </a:bodyPr>
-          <a:p>
-            <a:endParaRPr b="0" lang="es-CR" sz="3200" spc="-1" strike="noStrike">
+          <a:lstStyle/>
+          <a:p>
+            <a:endParaRPr lang="es-CR" sz="3200" b="0" strike="noStrike" spc="-1">
               <a:latin typeface="Arial"/>
             </a:endParaRPr>
           </a:p>
@@ -424,11 +538,12 @@
           </a:prstGeom>
         </p:spPr>
         <p:txBody>
-          <a:bodyPr lIns="0" rIns="0" tIns="0" bIns="0">
+          <a:bodyPr lIns="0" tIns="0" rIns="0" bIns="0">
             <a:normAutofit/>
           </a:bodyPr>
-          <a:p>
-            <a:endParaRPr b="0" lang="es-CR" sz="3200" spc="-1" strike="noStrike">
+          <a:lstStyle/>
+          <a:p>
+            <a:endParaRPr lang="es-CR" sz="3200" b="0" strike="noStrike" spc="-1">
               <a:latin typeface="Arial"/>
             </a:endParaRPr>
           </a:p>
@@ -454,11 +569,12 @@
           </a:prstGeom>
         </p:spPr>
         <p:txBody>
-          <a:bodyPr lIns="0" rIns="0" tIns="0" bIns="0">
+          <a:bodyPr lIns="0" tIns="0" rIns="0" bIns="0">
             <a:normAutofit/>
           </a:bodyPr>
-          <a:p>
-            <a:endParaRPr b="0" lang="es-CR" sz="3200" spc="-1" strike="noStrike">
+          <a:lstStyle/>
+          <a:p>
+            <a:endParaRPr lang="es-CR" sz="3200" b="0" strike="noStrike" spc="-1">
               <a:latin typeface="Arial"/>
             </a:endParaRPr>
           </a:p>
@@ -484,11 +600,12 @@
           </a:prstGeom>
         </p:spPr>
         <p:txBody>
-          <a:bodyPr lIns="0" rIns="0" tIns="0" bIns="0">
+          <a:bodyPr lIns="0" tIns="0" rIns="0" bIns="0">
             <a:normAutofit/>
           </a:bodyPr>
-          <a:p>
-            <a:endParaRPr b="0" lang="es-CR" sz="3200" spc="-1" strike="noStrike">
+          <a:lstStyle/>
+          <a:p>
+            <a:endParaRPr lang="es-CR" sz="3200" b="0" strike="noStrike" spc="-1">
               <a:latin typeface="Arial"/>
             </a:endParaRPr>
           </a:p>
@@ -514,11 +631,12 @@
           </a:prstGeom>
         </p:spPr>
         <p:txBody>
-          <a:bodyPr lIns="0" rIns="0" tIns="0" bIns="0">
+          <a:bodyPr lIns="0" tIns="0" rIns="0" bIns="0">
             <a:normAutofit/>
           </a:bodyPr>
-          <a:p>
-            <a:endParaRPr b="0" lang="es-CR" sz="3200" spc="-1" strike="noStrike">
+          <a:lstStyle/>
+          <a:p>
+            <a:endParaRPr lang="es-CR" sz="3200" b="0" strike="noStrike" spc="-1">
               <a:latin typeface="Arial"/>
             </a:endParaRPr>
           </a:p>
@@ -544,11 +662,12 @@
           </a:prstGeom>
         </p:spPr>
         <p:txBody>
-          <a:bodyPr lIns="0" rIns="0" tIns="0" bIns="0">
+          <a:bodyPr lIns="0" tIns="0" rIns="0" bIns="0">
             <a:normAutofit/>
           </a:bodyPr>
-          <a:p>
-            <a:endParaRPr b="0" lang="es-CR" sz="3200" spc="-1" strike="noStrike">
+          <a:lstStyle/>
+          <a:p>
+            <a:endParaRPr lang="es-CR" sz="3200" b="0" strike="noStrike" spc="-1">
               <a:latin typeface="Arial"/>
             </a:endParaRPr>
           </a:p>
@@ -556,11 +675,14 @@
       </p:sp>
     </p:spTree>
   </p:cSld>
+  <p:clrMapOvr>
+    <a:masterClrMapping/>
+  </p:clrMapOvr>
 </p:sldLayout>
 </file>
 
 <file path=ppt/slideLayouts/slideLayout13.xml><?xml version="1.0" encoding="utf-8"?>
-<p:sldLayout xmlns:a="http://schemas.openxmlformats.org/drawingml/2006/main" xmlns:p="http://schemas.openxmlformats.org/presentationml/2006/main" xmlns:r="http://schemas.openxmlformats.org/officeDocument/2006/relationships" xmlns:p14="http://schemas.microsoft.com/office/powerpoint/2010/main" xmlns:p15="http://schemas.microsoft.com/office/powerpoint/2012/main" xmlns:mc="http://schemas.openxmlformats.org/markup-compatibility/2006" type="blank" preserve="1">
+<p:sldLayout xmlns:a="http://schemas.openxmlformats.org/drawingml/2006/main" xmlns:r="http://schemas.openxmlformats.org/officeDocument/2006/relationships" xmlns:p="http://schemas.openxmlformats.org/presentationml/2006/main" type="blank" preserve="1">
   <p:cSld name="Blank Slide">
     <p:spTree>
       <p:nvGrpSpPr>
@@ -578,11 +700,14 @@
       </p:grpSpPr>
     </p:spTree>
   </p:cSld>
+  <p:clrMapOvr>
+    <a:masterClrMapping/>
+  </p:clrMapOvr>
 </p:sldLayout>
 </file>
 
 <file path=ppt/slideLayouts/slideLayout14.xml><?xml version="1.0" encoding="utf-8"?>
-<p:sldLayout xmlns:a="http://schemas.openxmlformats.org/drawingml/2006/main" xmlns:p="http://schemas.openxmlformats.org/presentationml/2006/main" xmlns:r="http://schemas.openxmlformats.org/officeDocument/2006/relationships" xmlns:p14="http://schemas.microsoft.com/office/powerpoint/2010/main" xmlns:p15="http://schemas.microsoft.com/office/powerpoint/2012/main" xmlns:mc="http://schemas.openxmlformats.org/markup-compatibility/2006" type="tx" preserve="1">
+<p:sldLayout xmlns:a="http://schemas.openxmlformats.org/drawingml/2006/main" xmlns:r="http://schemas.openxmlformats.org/officeDocument/2006/relationships" xmlns:p="http://schemas.openxmlformats.org/presentationml/2006/main" type="tx" preserve="1">
   <p:cSld name="Title Slide">
     <p:spTree>
       <p:nvGrpSpPr>
@@ -618,12 +743,13 @@
           </a:prstGeom>
         </p:spPr>
         <p:txBody>
-          <a:bodyPr lIns="0" rIns="0" tIns="0" bIns="0" anchor="ctr">
+          <a:bodyPr lIns="0" tIns="0" rIns="0" bIns="0" anchor="ctr">
             <a:spAutoFit/>
           </a:bodyPr>
+          <a:lstStyle/>
           <a:p>
             <a:pPr algn="ctr"/>
-            <a:endParaRPr b="0" lang="es-CR" sz="4400" spc="-1" strike="noStrike">
+            <a:endParaRPr lang="es-CR" sz="4400" b="0" strike="noStrike" spc="-1">
               <a:latin typeface="Arial"/>
             </a:endParaRPr>
           </a:p>
@@ -649,12 +775,13 @@
           </a:prstGeom>
         </p:spPr>
         <p:txBody>
-          <a:bodyPr lIns="0" rIns="0" tIns="0" bIns="0" anchor="ctr">
+          <a:bodyPr lIns="0" tIns="0" rIns="0" bIns="0" anchor="ctr">
             <a:spAutoFit/>
           </a:bodyPr>
+          <a:lstStyle/>
           <a:p>
             <a:pPr algn="ctr"/>
-            <a:endParaRPr b="0" lang="es-CR" sz="3200" spc="-1" strike="noStrike">
+            <a:endParaRPr lang="es-CR" sz="3200" b="0" strike="noStrike" spc="-1">
               <a:latin typeface="Arial"/>
             </a:endParaRPr>
           </a:p>
@@ -662,11 +789,14 @@
       </p:sp>
     </p:spTree>
   </p:cSld>
+  <p:clrMapOvr>
+    <a:masterClrMapping/>
+  </p:clrMapOvr>
 </p:sldLayout>
 </file>
 
 <file path=ppt/slideLayouts/slideLayout15.xml><?xml version="1.0" encoding="utf-8"?>
-<p:sldLayout xmlns:a="http://schemas.openxmlformats.org/drawingml/2006/main" xmlns:p="http://schemas.openxmlformats.org/presentationml/2006/main" xmlns:r="http://schemas.openxmlformats.org/officeDocument/2006/relationships" xmlns:p14="http://schemas.microsoft.com/office/powerpoint/2010/main" xmlns:p15="http://schemas.microsoft.com/office/powerpoint/2012/main" xmlns:mc="http://schemas.openxmlformats.org/markup-compatibility/2006" type="obj" preserve="1">
+<p:sldLayout xmlns:a="http://schemas.openxmlformats.org/drawingml/2006/main" xmlns:r="http://schemas.openxmlformats.org/officeDocument/2006/relationships" xmlns:p="http://schemas.openxmlformats.org/presentationml/2006/main" type="obj" preserve="1">
   <p:cSld name="Title, Content">
     <p:spTree>
       <p:nvGrpSpPr>
@@ -702,12 +832,13 @@
           </a:prstGeom>
         </p:spPr>
         <p:txBody>
-          <a:bodyPr lIns="0" rIns="0" tIns="0" bIns="0" anchor="ctr">
+          <a:bodyPr lIns="0" tIns="0" rIns="0" bIns="0" anchor="ctr">
             <a:spAutoFit/>
           </a:bodyPr>
+          <a:lstStyle/>
           <a:p>
             <a:pPr algn="ctr"/>
-            <a:endParaRPr b="0" lang="es-CR" sz="4400" spc="-1" strike="noStrike">
+            <a:endParaRPr lang="es-CR" sz="4400" b="0" strike="noStrike" spc="-1">
               <a:latin typeface="Arial"/>
             </a:endParaRPr>
           </a:p>
@@ -733,11 +864,12 @@
           </a:prstGeom>
         </p:spPr>
         <p:txBody>
-          <a:bodyPr lIns="0" rIns="0" tIns="0" bIns="0">
+          <a:bodyPr lIns="0" tIns="0" rIns="0" bIns="0">
             <a:normAutofit/>
           </a:bodyPr>
-          <a:p>
-            <a:endParaRPr b="0" lang="es-CR" sz="3200" spc="-1" strike="noStrike">
+          <a:lstStyle/>
+          <a:p>
+            <a:endParaRPr lang="es-CR" sz="3200" b="0" strike="noStrike" spc="-1">
               <a:latin typeface="Arial"/>
             </a:endParaRPr>
           </a:p>
@@ -745,11 +877,14 @@
       </p:sp>
     </p:spTree>
   </p:cSld>
+  <p:clrMapOvr>
+    <a:masterClrMapping/>
+  </p:clrMapOvr>
 </p:sldLayout>
 </file>
 
 <file path=ppt/slideLayouts/slideLayout16.xml><?xml version="1.0" encoding="utf-8"?>
-<p:sldLayout xmlns:a="http://schemas.openxmlformats.org/drawingml/2006/main" xmlns:p="http://schemas.openxmlformats.org/presentationml/2006/main" xmlns:r="http://schemas.openxmlformats.org/officeDocument/2006/relationships" xmlns:p14="http://schemas.microsoft.com/office/powerpoint/2010/main" xmlns:p15="http://schemas.microsoft.com/office/powerpoint/2012/main" xmlns:mc="http://schemas.openxmlformats.org/markup-compatibility/2006" type="twoObj" preserve="1">
+<p:sldLayout xmlns:a="http://schemas.openxmlformats.org/drawingml/2006/main" xmlns:r="http://schemas.openxmlformats.org/officeDocument/2006/relationships" xmlns:p="http://schemas.openxmlformats.org/presentationml/2006/main" type="twoObj" preserve="1">
   <p:cSld name="Title, 2 Content">
     <p:spTree>
       <p:nvGrpSpPr>
@@ -785,12 +920,13 @@
           </a:prstGeom>
         </p:spPr>
         <p:txBody>
-          <a:bodyPr lIns="0" rIns="0" tIns="0" bIns="0" anchor="ctr">
+          <a:bodyPr lIns="0" tIns="0" rIns="0" bIns="0" anchor="ctr">
             <a:spAutoFit/>
           </a:bodyPr>
+          <a:lstStyle/>
           <a:p>
             <a:pPr algn="ctr"/>
-            <a:endParaRPr b="0" lang="es-CR" sz="4400" spc="-1" strike="noStrike">
+            <a:endParaRPr lang="es-CR" sz="4400" b="0" strike="noStrike" spc="-1">
               <a:latin typeface="Arial"/>
             </a:endParaRPr>
           </a:p>
@@ -816,11 +952,12 @@
           </a:prstGeom>
         </p:spPr>
         <p:txBody>
-          <a:bodyPr lIns="0" rIns="0" tIns="0" bIns="0">
+          <a:bodyPr lIns="0" tIns="0" rIns="0" bIns="0">
             <a:normAutofit/>
           </a:bodyPr>
-          <a:p>
-            <a:endParaRPr b="0" lang="es-CR" sz="3200" spc="-1" strike="noStrike">
+          <a:lstStyle/>
+          <a:p>
+            <a:endParaRPr lang="es-CR" sz="3200" b="0" strike="noStrike" spc="-1">
               <a:latin typeface="Arial"/>
             </a:endParaRPr>
           </a:p>
@@ -846,11 +983,12 @@
           </a:prstGeom>
         </p:spPr>
         <p:txBody>
-          <a:bodyPr lIns="0" rIns="0" tIns="0" bIns="0">
+          <a:bodyPr lIns="0" tIns="0" rIns="0" bIns="0">
             <a:normAutofit/>
           </a:bodyPr>
-          <a:p>
-            <a:endParaRPr b="0" lang="es-CR" sz="3200" spc="-1" strike="noStrike">
+          <a:lstStyle/>
+          <a:p>
+            <a:endParaRPr lang="es-CR" sz="3200" b="0" strike="noStrike" spc="-1">
               <a:latin typeface="Arial"/>
             </a:endParaRPr>
           </a:p>
@@ -858,11 +996,14 @@
       </p:sp>
     </p:spTree>
   </p:cSld>
+  <p:clrMapOvr>
+    <a:masterClrMapping/>
+  </p:clrMapOvr>
 </p:sldLayout>
 </file>
 
 <file path=ppt/slideLayouts/slideLayout17.xml><?xml version="1.0" encoding="utf-8"?>
-<p:sldLayout xmlns:a="http://schemas.openxmlformats.org/drawingml/2006/main" xmlns:p="http://schemas.openxmlformats.org/presentationml/2006/main" xmlns:r="http://schemas.openxmlformats.org/officeDocument/2006/relationships" xmlns:p14="http://schemas.microsoft.com/office/powerpoint/2010/main" xmlns:p15="http://schemas.microsoft.com/office/powerpoint/2012/main" xmlns:mc="http://schemas.openxmlformats.org/markup-compatibility/2006" type="titleOnly" preserve="1">
+<p:sldLayout xmlns:a="http://schemas.openxmlformats.org/drawingml/2006/main" xmlns:r="http://schemas.openxmlformats.org/officeDocument/2006/relationships" xmlns:p="http://schemas.openxmlformats.org/presentationml/2006/main" type="titleOnly" preserve="1">
   <p:cSld name="Title Only">
     <p:spTree>
       <p:nvGrpSpPr>
@@ -898,12 +1039,13 @@
           </a:prstGeom>
         </p:spPr>
         <p:txBody>
-          <a:bodyPr lIns="0" rIns="0" tIns="0" bIns="0" anchor="ctr">
+          <a:bodyPr lIns="0" tIns="0" rIns="0" bIns="0" anchor="ctr">
             <a:spAutoFit/>
           </a:bodyPr>
+          <a:lstStyle/>
           <a:p>
             <a:pPr algn="ctr"/>
-            <a:endParaRPr b="0" lang="es-CR" sz="4400" spc="-1" strike="noStrike">
+            <a:endParaRPr lang="es-CR" sz="4400" b="0" strike="noStrike" spc="-1">
               <a:latin typeface="Arial"/>
             </a:endParaRPr>
           </a:p>
@@ -911,11 +1053,14 @@
       </p:sp>
     </p:spTree>
   </p:cSld>
+  <p:clrMapOvr>
+    <a:masterClrMapping/>
+  </p:clrMapOvr>
 </p:sldLayout>
 </file>
 
 <file path=ppt/slideLayouts/slideLayout18.xml><?xml version="1.0" encoding="utf-8"?>
-<p:sldLayout xmlns:a="http://schemas.openxmlformats.org/drawingml/2006/main" xmlns:p="http://schemas.openxmlformats.org/presentationml/2006/main" xmlns:r="http://schemas.openxmlformats.org/officeDocument/2006/relationships" xmlns:p14="http://schemas.microsoft.com/office/powerpoint/2010/main" xmlns:p15="http://schemas.microsoft.com/office/powerpoint/2012/main" xmlns:mc="http://schemas.openxmlformats.org/markup-compatibility/2006" type="objOnly" preserve="1">
+<p:sldLayout xmlns:a="http://schemas.openxmlformats.org/drawingml/2006/main" xmlns:r="http://schemas.openxmlformats.org/officeDocument/2006/relationships" xmlns:p="http://schemas.openxmlformats.org/presentationml/2006/main" type="objOnly" preserve="1">
   <p:cSld name="Centered Text">
     <p:spTree>
       <p:nvGrpSpPr>
@@ -951,12 +1096,13 @@
           </a:prstGeom>
         </p:spPr>
         <p:txBody>
-          <a:bodyPr lIns="0" rIns="0" tIns="0" bIns="0" anchor="ctr">
+          <a:bodyPr lIns="0" tIns="0" rIns="0" bIns="0" anchor="ctr">
             <a:spAutoFit/>
           </a:bodyPr>
+          <a:lstStyle/>
           <a:p>
             <a:pPr algn="ctr"/>
-            <a:endParaRPr b="0" lang="es-CR" sz="3200" spc="-1" strike="noStrike">
+            <a:endParaRPr lang="es-CR" sz="3200" b="0" strike="noStrike" spc="-1">
               <a:latin typeface="Arial"/>
             </a:endParaRPr>
           </a:p>
@@ -964,11 +1110,14 @@
       </p:sp>
     </p:spTree>
   </p:cSld>
+  <p:clrMapOvr>
+    <a:masterClrMapping/>
+  </p:clrMapOvr>
 </p:sldLayout>
 </file>
 
 <file path=ppt/slideLayouts/slideLayout19.xml><?xml version="1.0" encoding="utf-8"?>
-<p:sldLayout xmlns:a="http://schemas.openxmlformats.org/drawingml/2006/main" xmlns:p="http://schemas.openxmlformats.org/presentationml/2006/main" xmlns:r="http://schemas.openxmlformats.org/officeDocument/2006/relationships" xmlns:p14="http://schemas.microsoft.com/office/powerpoint/2010/main" xmlns:p15="http://schemas.microsoft.com/office/powerpoint/2012/main" xmlns:mc="http://schemas.openxmlformats.org/markup-compatibility/2006" type="twoObjAndObj" preserve="1">
+<p:sldLayout xmlns:a="http://schemas.openxmlformats.org/drawingml/2006/main" xmlns:r="http://schemas.openxmlformats.org/officeDocument/2006/relationships" xmlns:p="http://schemas.openxmlformats.org/presentationml/2006/main" type="twoObjAndObj" preserve="1">
   <p:cSld name="Title, 2 Content and Content">
     <p:spTree>
       <p:nvGrpSpPr>
@@ -1004,12 +1153,13 @@
           </a:prstGeom>
         </p:spPr>
         <p:txBody>
-          <a:bodyPr lIns="0" rIns="0" tIns="0" bIns="0" anchor="ctr">
+          <a:bodyPr lIns="0" tIns="0" rIns="0" bIns="0" anchor="ctr">
             <a:spAutoFit/>
           </a:bodyPr>
+          <a:lstStyle/>
           <a:p>
             <a:pPr algn="ctr"/>
-            <a:endParaRPr b="0" lang="es-CR" sz="4400" spc="-1" strike="noStrike">
+            <a:endParaRPr lang="es-CR" sz="4400" b="0" strike="noStrike" spc="-1">
               <a:latin typeface="Arial"/>
             </a:endParaRPr>
           </a:p>
@@ -1035,11 +1185,12 @@
           </a:prstGeom>
         </p:spPr>
         <p:txBody>
-          <a:bodyPr lIns="0" rIns="0" tIns="0" bIns="0">
+          <a:bodyPr lIns="0" tIns="0" rIns="0" bIns="0">
             <a:normAutofit/>
           </a:bodyPr>
-          <a:p>
-            <a:endParaRPr b="0" lang="es-CR" sz="3200" spc="-1" strike="noStrike">
+          <a:lstStyle/>
+          <a:p>
+            <a:endParaRPr lang="es-CR" sz="3200" b="0" strike="noStrike" spc="-1">
               <a:latin typeface="Arial"/>
             </a:endParaRPr>
           </a:p>
@@ -1065,11 +1216,12 @@
           </a:prstGeom>
         </p:spPr>
         <p:txBody>
-          <a:bodyPr lIns="0" rIns="0" tIns="0" bIns="0">
+          <a:bodyPr lIns="0" tIns="0" rIns="0" bIns="0">
             <a:normAutofit/>
           </a:bodyPr>
-          <a:p>
-            <a:endParaRPr b="0" lang="es-CR" sz="3200" spc="-1" strike="noStrike">
+          <a:lstStyle/>
+          <a:p>
+            <a:endParaRPr lang="es-CR" sz="3200" b="0" strike="noStrike" spc="-1">
               <a:latin typeface="Arial"/>
             </a:endParaRPr>
           </a:p>
@@ -1095,11 +1247,12 @@
           </a:prstGeom>
         </p:spPr>
         <p:txBody>
-          <a:bodyPr lIns="0" rIns="0" tIns="0" bIns="0">
+          <a:bodyPr lIns="0" tIns="0" rIns="0" bIns="0">
             <a:normAutofit/>
           </a:bodyPr>
-          <a:p>
-            <a:endParaRPr b="0" lang="es-CR" sz="3200" spc="-1" strike="noStrike">
+          <a:lstStyle/>
+          <a:p>
+            <a:endParaRPr lang="es-CR" sz="3200" b="0" strike="noStrike" spc="-1">
               <a:latin typeface="Arial"/>
             </a:endParaRPr>
           </a:p>
@@ -1107,11 +1260,14 @@
       </p:sp>
     </p:spTree>
   </p:cSld>
+  <p:clrMapOvr>
+    <a:masterClrMapping/>
+  </p:clrMapOvr>
 </p:sldLayout>
 </file>
 
 <file path=ppt/slideLayouts/slideLayout2.xml><?xml version="1.0" encoding="utf-8"?>
-<p:sldLayout xmlns:a="http://schemas.openxmlformats.org/drawingml/2006/main" xmlns:p="http://schemas.openxmlformats.org/presentationml/2006/main" xmlns:r="http://schemas.openxmlformats.org/officeDocument/2006/relationships" xmlns:p14="http://schemas.microsoft.com/office/powerpoint/2010/main" xmlns:p15="http://schemas.microsoft.com/office/powerpoint/2012/main" xmlns:mc="http://schemas.openxmlformats.org/markup-compatibility/2006" type="tx" preserve="1">
+<p:sldLayout xmlns:a="http://schemas.openxmlformats.org/drawingml/2006/main" xmlns:r="http://schemas.openxmlformats.org/officeDocument/2006/relationships" xmlns:p="http://schemas.openxmlformats.org/presentationml/2006/main" type="tx" preserve="1">
   <p:cSld name="Title Slide">
     <p:spTree>
       <p:nvGrpSpPr>
@@ -1147,12 +1303,13 @@
           </a:prstGeom>
         </p:spPr>
         <p:txBody>
-          <a:bodyPr lIns="0" rIns="0" tIns="0" bIns="0" anchor="ctr">
+          <a:bodyPr lIns="0" tIns="0" rIns="0" bIns="0" anchor="ctr">
             <a:spAutoFit/>
           </a:bodyPr>
+          <a:lstStyle/>
           <a:p>
             <a:pPr algn="ctr"/>
-            <a:endParaRPr b="0" lang="es-CR" sz="4400" spc="-1" strike="noStrike">
+            <a:endParaRPr lang="es-CR" sz="4400" b="0" strike="noStrike" spc="-1">
               <a:latin typeface="Arial"/>
             </a:endParaRPr>
           </a:p>
@@ -1178,12 +1335,13 @@
           </a:prstGeom>
         </p:spPr>
         <p:txBody>
-          <a:bodyPr lIns="0" rIns="0" tIns="0" bIns="0" anchor="ctr">
+          <a:bodyPr lIns="0" tIns="0" rIns="0" bIns="0" anchor="ctr">
             <a:spAutoFit/>
           </a:bodyPr>
+          <a:lstStyle/>
           <a:p>
             <a:pPr algn="ctr"/>
-            <a:endParaRPr b="0" lang="es-CR" sz="3200" spc="-1" strike="noStrike">
+            <a:endParaRPr lang="es-CR" sz="3200" b="0" strike="noStrike" spc="-1">
               <a:latin typeface="Arial"/>
             </a:endParaRPr>
           </a:p>
@@ -1191,11 +1349,14 @@
       </p:sp>
     </p:spTree>
   </p:cSld>
+  <p:clrMapOvr>
+    <a:masterClrMapping/>
+  </p:clrMapOvr>
 </p:sldLayout>
 </file>
 
 <file path=ppt/slideLayouts/slideLayout20.xml><?xml version="1.0" encoding="utf-8"?>
-<p:sldLayout xmlns:a="http://schemas.openxmlformats.org/drawingml/2006/main" xmlns:p="http://schemas.openxmlformats.org/presentationml/2006/main" xmlns:r="http://schemas.openxmlformats.org/officeDocument/2006/relationships" xmlns:p14="http://schemas.microsoft.com/office/powerpoint/2010/main" xmlns:p15="http://schemas.microsoft.com/office/powerpoint/2012/main" xmlns:mc="http://schemas.openxmlformats.org/markup-compatibility/2006" type="objAndTwoObj" preserve="1">
+<p:sldLayout xmlns:a="http://schemas.openxmlformats.org/drawingml/2006/main" xmlns:r="http://schemas.openxmlformats.org/officeDocument/2006/relationships" xmlns:p="http://schemas.openxmlformats.org/presentationml/2006/main" type="objAndTwoObj" preserve="1">
   <p:cSld name="Title Content and 2 Content">
     <p:spTree>
       <p:nvGrpSpPr>
@@ -1231,12 +1392,13 @@
           </a:prstGeom>
         </p:spPr>
         <p:txBody>
-          <a:bodyPr lIns="0" rIns="0" tIns="0" bIns="0" anchor="ctr">
+          <a:bodyPr lIns="0" tIns="0" rIns="0" bIns="0" anchor="ctr">
             <a:spAutoFit/>
           </a:bodyPr>
+          <a:lstStyle/>
           <a:p>
             <a:pPr algn="ctr"/>
-            <a:endParaRPr b="0" lang="es-CR" sz="4400" spc="-1" strike="noStrike">
+            <a:endParaRPr lang="es-CR" sz="4400" b="0" strike="noStrike" spc="-1">
               <a:latin typeface="Arial"/>
             </a:endParaRPr>
           </a:p>
@@ -1262,11 +1424,12 @@
           </a:prstGeom>
         </p:spPr>
         <p:txBody>
-          <a:bodyPr lIns="0" rIns="0" tIns="0" bIns="0">
+          <a:bodyPr lIns="0" tIns="0" rIns="0" bIns="0">
             <a:normAutofit/>
           </a:bodyPr>
-          <a:p>
-            <a:endParaRPr b="0" lang="es-CR" sz="3200" spc="-1" strike="noStrike">
+          <a:lstStyle/>
+          <a:p>
+            <a:endParaRPr lang="es-CR" sz="3200" b="0" strike="noStrike" spc="-1">
               <a:latin typeface="Arial"/>
             </a:endParaRPr>
           </a:p>
@@ -1292,11 +1455,12 @@
           </a:prstGeom>
         </p:spPr>
         <p:txBody>
-          <a:bodyPr lIns="0" rIns="0" tIns="0" bIns="0">
+          <a:bodyPr lIns="0" tIns="0" rIns="0" bIns="0">
             <a:normAutofit/>
           </a:bodyPr>
-          <a:p>
-            <a:endParaRPr b="0" lang="es-CR" sz="3200" spc="-1" strike="noStrike">
+          <a:lstStyle/>
+          <a:p>
+            <a:endParaRPr lang="es-CR" sz="3200" b="0" strike="noStrike" spc="-1">
               <a:latin typeface="Arial"/>
             </a:endParaRPr>
           </a:p>
@@ -1322,11 +1486,12 @@
           </a:prstGeom>
         </p:spPr>
         <p:txBody>
-          <a:bodyPr lIns="0" rIns="0" tIns="0" bIns="0">
+          <a:bodyPr lIns="0" tIns="0" rIns="0" bIns="0">
             <a:normAutofit/>
           </a:bodyPr>
-          <a:p>
-            <a:endParaRPr b="0" lang="es-CR" sz="3200" spc="-1" strike="noStrike">
+          <a:lstStyle/>
+          <a:p>
+            <a:endParaRPr lang="es-CR" sz="3200" b="0" strike="noStrike" spc="-1">
               <a:latin typeface="Arial"/>
             </a:endParaRPr>
           </a:p>
@@ -1334,11 +1499,14 @@
       </p:sp>
     </p:spTree>
   </p:cSld>
+  <p:clrMapOvr>
+    <a:masterClrMapping/>
+  </p:clrMapOvr>
 </p:sldLayout>
 </file>
 
 <file path=ppt/slideLayouts/slideLayout21.xml><?xml version="1.0" encoding="utf-8"?>
-<p:sldLayout xmlns:a="http://schemas.openxmlformats.org/drawingml/2006/main" xmlns:p="http://schemas.openxmlformats.org/presentationml/2006/main" xmlns:r="http://schemas.openxmlformats.org/officeDocument/2006/relationships" xmlns:p14="http://schemas.microsoft.com/office/powerpoint/2010/main" xmlns:p15="http://schemas.microsoft.com/office/powerpoint/2012/main" xmlns:mc="http://schemas.openxmlformats.org/markup-compatibility/2006" type="twoObjOverTx" preserve="1">
+<p:sldLayout xmlns:a="http://schemas.openxmlformats.org/drawingml/2006/main" xmlns:r="http://schemas.openxmlformats.org/officeDocument/2006/relationships" xmlns:p="http://schemas.openxmlformats.org/presentationml/2006/main" type="twoObjOverTx" preserve="1">
   <p:cSld name="Title, 2 Content over Content">
     <p:spTree>
       <p:nvGrpSpPr>
@@ -1374,12 +1542,13 @@
           </a:prstGeom>
         </p:spPr>
         <p:txBody>
-          <a:bodyPr lIns="0" rIns="0" tIns="0" bIns="0" anchor="ctr">
+          <a:bodyPr lIns="0" tIns="0" rIns="0" bIns="0" anchor="ctr">
             <a:spAutoFit/>
           </a:bodyPr>
+          <a:lstStyle/>
           <a:p>
             <a:pPr algn="ctr"/>
-            <a:endParaRPr b="0" lang="es-CR" sz="4400" spc="-1" strike="noStrike">
+            <a:endParaRPr lang="es-CR" sz="4400" b="0" strike="noStrike" spc="-1">
               <a:latin typeface="Arial"/>
             </a:endParaRPr>
           </a:p>
@@ -1405,11 +1574,12 @@
           </a:prstGeom>
         </p:spPr>
         <p:txBody>
-          <a:bodyPr lIns="0" rIns="0" tIns="0" bIns="0">
+          <a:bodyPr lIns="0" tIns="0" rIns="0" bIns="0">
             <a:normAutofit/>
           </a:bodyPr>
-          <a:p>
-            <a:endParaRPr b="0" lang="es-CR" sz="3200" spc="-1" strike="noStrike">
+          <a:lstStyle/>
+          <a:p>
+            <a:endParaRPr lang="es-CR" sz="3200" b="0" strike="noStrike" spc="-1">
               <a:latin typeface="Arial"/>
             </a:endParaRPr>
           </a:p>
@@ -1435,11 +1605,12 @@
           </a:prstGeom>
         </p:spPr>
         <p:txBody>
-          <a:bodyPr lIns="0" rIns="0" tIns="0" bIns="0">
+          <a:bodyPr lIns="0" tIns="0" rIns="0" bIns="0">
             <a:normAutofit/>
           </a:bodyPr>
-          <a:p>
-            <a:endParaRPr b="0" lang="es-CR" sz="3200" spc="-1" strike="noStrike">
+          <a:lstStyle/>
+          <a:p>
+            <a:endParaRPr lang="es-CR" sz="3200" b="0" strike="noStrike" spc="-1">
               <a:latin typeface="Arial"/>
             </a:endParaRPr>
           </a:p>
@@ -1465,11 +1636,12 @@
           </a:prstGeom>
         </p:spPr>
         <p:txBody>
-          <a:bodyPr lIns="0" rIns="0" tIns="0" bIns="0">
+          <a:bodyPr lIns="0" tIns="0" rIns="0" bIns="0">
             <a:normAutofit/>
           </a:bodyPr>
-          <a:p>
-            <a:endParaRPr b="0" lang="es-CR" sz="3200" spc="-1" strike="noStrike">
+          <a:lstStyle/>
+          <a:p>
+            <a:endParaRPr lang="es-CR" sz="3200" b="0" strike="noStrike" spc="-1">
               <a:latin typeface="Arial"/>
             </a:endParaRPr>
           </a:p>
@@ -1477,11 +1649,14 @@
       </p:sp>
     </p:spTree>
   </p:cSld>
+  <p:clrMapOvr>
+    <a:masterClrMapping/>
+  </p:clrMapOvr>
 </p:sldLayout>
 </file>
 
 <file path=ppt/slideLayouts/slideLayout22.xml><?xml version="1.0" encoding="utf-8"?>
-<p:sldLayout xmlns:a="http://schemas.openxmlformats.org/drawingml/2006/main" xmlns:p="http://schemas.openxmlformats.org/presentationml/2006/main" xmlns:r="http://schemas.openxmlformats.org/officeDocument/2006/relationships" xmlns:p14="http://schemas.microsoft.com/office/powerpoint/2010/main" xmlns:p15="http://schemas.microsoft.com/office/powerpoint/2012/main" xmlns:mc="http://schemas.openxmlformats.org/markup-compatibility/2006" type="objOverTx" preserve="1">
+<p:sldLayout xmlns:a="http://schemas.openxmlformats.org/drawingml/2006/main" xmlns:r="http://schemas.openxmlformats.org/officeDocument/2006/relationships" xmlns:p="http://schemas.openxmlformats.org/presentationml/2006/main" type="objOverTx" preserve="1">
   <p:cSld name="Title, Content over Content">
     <p:spTree>
       <p:nvGrpSpPr>
@@ -1517,12 +1692,13 @@
           </a:prstGeom>
         </p:spPr>
         <p:txBody>
-          <a:bodyPr lIns="0" rIns="0" tIns="0" bIns="0" anchor="ctr">
+          <a:bodyPr lIns="0" tIns="0" rIns="0" bIns="0" anchor="ctr">
             <a:spAutoFit/>
           </a:bodyPr>
+          <a:lstStyle/>
           <a:p>
             <a:pPr algn="ctr"/>
-            <a:endParaRPr b="0" lang="es-CR" sz="4400" spc="-1" strike="noStrike">
+            <a:endParaRPr lang="es-CR" sz="4400" b="0" strike="noStrike" spc="-1">
               <a:latin typeface="Arial"/>
             </a:endParaRPr>
           </a:p>
@@ -1548,11 +1724,12 @@
           </a:prstGeom>
         </p:spPr>
         <p:txBody>
-          <a:bodyPr lIns="0" rIns="0" tIns="0" bIns="0">
+          <a:bodyPr lIns="0" tIns="0" rIns="0" bIns="0">
             <a:normAutofit/>
           </a:bodyPr>
-          <a:p>
-            <a:endParaRPr b="0" lang="es-CR" sz="3200" spc="-1" strike="noStrike">
+          <a:lstStyle/>
+          <a:p>
+            <a:endParaRPr lang="es-CR" sz="3200" b="0" strike="noStrike" spc="-1">
               <a:latin typeface="Arial"/>
             </a:endParaRPr>
           </a:p>
@@ -1578,11 +1755,12 @@
           </a:prstGeom>
         </p:spPr>
         <p:txBody>
-          <a:bodyPr lIns="0" rIns="0" tIns="0" bIns="0">
+          <a:bodyPr lIns="0" tIns="0" rIns="0" bIns="0">
             <a:normAutofit/>
           </a:bodyPr>
-          <a:p>
-            <a:endParaRPr b="0" lang="es-CR" sz="3200" spc="-1" strike="noStrike">
+          <a:lstStyle/>
+          <a:p>
+            <a:endParaRPr lang="es-CR" sz="3200" b="0" strike="noStrike" spc="-1">
               <a:latin typeface="Arial"/>
             </a:endParaRPr>
           </a:p>
@@ -1590,11 +1768,14 @@
       </p:sp>
     </p:spTree>
   </p:cSld>
+  <p:clrMapOvr>
+    <a:masterClrMapping/>
+  </p:clrMapOvr>
 </p:sldLayout>
 </file>
 
 <file path=ppt/slideLayouts/slideLayout23.xml><?xml version="1.0" encoding="utf-8"?>
-<p:sldLayout xmlns:a="http://schemas.openxmlformats.org/drawingml/2006/main" xmlns:p="http://schemas.openxmlformats.org/presentationml/2006/main" xmlns:r="http://schemas.openxmlformats.org/officeDocument/2006/relationships" xmlns:p14="http://schemas.microsoft.com/office/powerpoint/2010/main" xmlns:p15="http://schemas.microsoft.com/office/powerpoint/2012/main" xmlns:mc="http://schemas.openxmlformats.org/markup-compatibility/2006" type="fourObj" preserve="1">
+<p:sldLayout xmlns:a="http://schemas.openxmlformats.org/drawingml/2006/main" xmlns:r="http://schemas.openxmlformats.org/officeDocument/2006/relationships" xmlns:p="http://schemas.openxmlformats.org/presentationml/2006/main" type="fourObj" preserve="1">
   <p:cSld name="Title, 4 Content">
     <p:spTree>
       <p:nvGrpSpPr>
@@ -1630,12 +1811,13 @@
           </a:prstGeom>
         </p:spPr>
         <p:txBody>
-          <a:bodyPr lIns="0" rIns="0" tIns="0" bIns="0" anchor="ctr">
+          <a:bodyPr lIns="0" tIns="0" rIns="0" bIns="0" anchor="ctr">
             <a:spAutoFit/>
           </a:bodyPr>
+          <a:lstStyle/>
           <a:p>
             <a:pPr algn="ctr"/>
-            <a:endParaRPr b="0" lang="es-CR" sz="4400" spc="-1" strike="noStrike">
+            <a:endParaRPr lang="es-CR" sz="4400" b="0" strike="noStrike" spc="-1">
               <a:latin typeface="Arial"/>
             </a:endParaRPr>
           </a:p>
@@ -1661,11 +1843,12 @@
           </a:prstGeom>
         </p:spPr>
         <p:txBody>
-          <a:bodyPr lIns="0" rIns="0" tIns="0" bIns="0">
+          <a:bodyPr lIns="0" tIns="0" rIns="0" bIns="0">
             <a:normAutofit/>
           </a:bodyPr>
-          <a:p>
-            <a:endParaRPr b="0" lang="es-CR" sz="3200" spc="-1" strike="noStrike">
+          <a:lstStyle/>
+          <a:p>
+            <a:endParaRPr lang="es-CR" sz="3200" b="0" strike="noStrike" spc="-1">
               <a:latin typeface="Arial"/>
             </a:endParaRPr>
           </a:p>
@@ -1691,11 +1874,12 @@
           </a:prstGeom>
         </p:spPr>
         <p:txBody>
-          <a:bodyPr lIns="0" rIns="0" tIns="0" bIns="0">
+          <a:bodyPr lIns="0" tIns="0" rIns="0" bIns="0">
             <a:normAutofit/>
           </a:bodyPr>
-          <a:p>
-            <a:endParaRPr b="0" lang="es-CR" sz="3200" spc="-1" strike="noStrike">
+          <a:lstStyle/>
+          <a:p>
+            <a:endParaRPr lang="es-CR" sz="3200" b="0" strike="noStrike" spc="-1">
               <a:latin typeface="Arial"/>
             </a:endParaRPr>
           </a:p>
@@ -1721,11 +1905,12 @@
           </a:prstGeom>
         </p:spPr>
         <p:txBody>
-          <a:bodyPr lIns="0" rIns="0" tIns="0" bIns="0">
+          <a:bodyPr lIns="0" tIns="0" rIns="0" bIns="0">
             <a:normAutofit/>
           </a:bodyPr>
-          <a:p>
-            <a:endParaRPr b="0" lang="es-CR" sz="3200" spc="-1" strike="noStrike">
+          <a:lstStyle/>
+          <a:p>
+            <a:endParaRPr lang="es-CR" sz="3200" b="0" strike="noStrike" spc="-1">
               <a:latin typeface="Arial"/>
             </a:endParaRPr>
           </a:p>
@@ -1751,11 +1936,12 @@
           </a:prstGeom>
         </p:spPr>
         <p:txBody>
-          <a:bodyPr lIns="0" rIns="0" tIns="0" bIns="0">
+          <a:bodyPr lIns="0" tIns="0" rIns="0" bIns="0">
             <a:normAutofit/>
           </a:bodyPr>
-          <a:p>
-            <a:endParaRPr b="0" lang="es-CR" sz="3200" spc="-1" strike="noStrike">
+          <a:lstStyle/>
+          <a:p>
+            <a:endParaRPr lang="es-CR" sz="3200" b="0" strike="noStrike" spc="-1">
               <a:latin typeface="Arial"/>
             </a:endParaRPr>
           </a:p>
@@ -1763,11 +1949,14 @@
       </p:sp>
     </p:spTree>
   </p:cSld>
+  <p:clrMapOvr>
+    <a:masterClrMapping/>
+  </p:clrMapOvr>
 </p:sldLayout>
 </file>
 
 <file path=ppt/slideLayouts/slideLayout24.xml><?xml version="1.0" encoding="utf-8"?>
-<p:sldLayout xmlns:a="http://schemas.openxmlformats.org/drawingml/2006/main" xmlns:p="http://schemas.openxmlformats.org/presentationml/2006/main" xmlns:r="http://schemas.openxmlformats.org/officeDocument/2006/relationships" xmlns:p14="http://schemas.microsoft.com/office/powerpoint/2010/main" xmlns:p15="http://schemas.microsoft.com/office/powerpoint/2012/main" xmlns:mc="http://schemas.openxmlformats.org/markup-compatibility/2006" type="blank" preserve="1">
+<p:sldLayout xmlns:a="http://schemas.openxmlformats.org/drawingml/2006/main" xmlns:r="http://schemas.openxmlformats.org/officeDocument/2006/relationships" xmlns:p="http://schemas.openxmlformats.org/presentationml/2006/main" type="blank" preserve="1">
   <p:cSld name="Title, 6 Content">
     <p:spTree>
       <p:nvGrpSpPr>
@@ -1803,12 +1992,13 @@
           </a:prstGeom>
         </p:spPr>
         <p:txBody>
-          <a:bodyPr lIns="0" rIns="0" tIns="0" bIns="0" anchor="ctr">
+          <a:bodyPr lIns="0" tIns="0" rIns="0" bIns="0" anchor="ctr">
             <a:spAutoFit/>
           </a:bodyPr>
+          <a:lstStyle/>
           <a:p>
             <a:pPr algn="ctr"/>
-            <a:endParaRPr b="0" lang="es-CR" sz="4400" spc="-1" strike="noStrike">
+            <a:endParaRPr lang="es-CR" sz="4400" b="0" strike="noStrike" spc="-1">
               <a:latin typeface="Arial"/>
             </a:endParaRPr>
           </a:p>
@@ -1834,11 +2024,12 @@
           </a:prstGeom>
         </p:spPr>
         <p:txBody>
-          <a:bodyPr lIns="0" rIns="0" tIns="0" bIns="0">
+          <a:bodyPr lIns="0" tIns="0" rIns="0" bIns="0">
             <a:normAutofit/>
           </a:bodyPr>
-          <a:p>
-            <a:endParaRPr b="0" lang="es-CR" sz="3200" spc="-1" strike="noStrike">
+          <a:lstStyle/>
+          <a:p>
+            <a:endParaRPr lang="es-CR" sz="3200" b="0" strike="noStrike" spc="-1">
               <a:latin typeface="Arial"/>
             </a:endParaRPr>
           </a:p>
@@ -1864,11 +2055,12 @@
           </a:prstGeom>
         </p:spPr>
         <p:txBody>
-          <a:bodyPr lIns="0" rIns="0" tIns="0" bIns="0">
+          <a:bodyPr lIns="0" tIns="0" rIns="0" bIns="0">
             <a:normAutofit/>
           </a:bodyPr>
-          <a:p>
-            <a:endParaRPr b="0" lang="es-CR" sz="3200" spc="-1" strike="noStrike">
+          <a:lstStyle/>
+          <a:p>
+            <a:endParaRPr lang="es-CR" sz="3200" b="0" strike="noStrike" spc="-1">
               <a:latin typeface="Arial"/>
             </a:endParaRPr>
           </a:p>
@@ -1894,11 +2086,12 @@
           </a:prstGeom>
         </p:spPr>
         <p:txBody>
-          <a:bodyPr lIns="0" rIns="0" tIns="0" bIns="0">
+          <a:bodyPr lIns="0" tIns="0" rIns="0" bIns="0">
             <a:normAutofit/>
           </a:bodyPr>
-          <a:p>
-            <a:endParaRPr b="0" lang="es-CR" sz="3200" spc="-1" strike="noStrike">
+          <a:lstStyle/>
+          <a:p>
+            <a:endParaRPr lang="es-CR" sz="3200" b="0" strike="noStrike" spc="-1">
               <a:latin typeface="Arial"/>
             </a:endParaRPr>
           </a:p>
@@ -1924,11 +2117,12 @@
           </a:prstGeom>
         </p:spPr>
         <p:txBody>
-          <a:bodyPr lIns="0" rIns="0" tIns="0" bIns="0">
+          <a:bodyPr lIns="0" tIns="0" rIns="0" bIns="0">
             <a:normAutofit/>
           </a:bodyPr>
-          <a:p>
-            <a:endParaRPr b="0" lang="es-CR" sz="3200" spc="-1" strike="noStrike">
+          <a:lstStyle/>
+          <a:p>
+            <a:endParaRPr lang="es-CR" sz="3200" b="0" strike="noStrike" spc="-1">
               <a:latin typeface="Arial"/>
             </a:endParaRPr>
           </a:p>
@@ -1954,11 +2148,12 @@
           </a:prstGeom>
         </p:spPr>
         <p:txBody>
-          <a:bodyPr lIns="0" rIns="0" tIns="0" bIns="0">
+          <a:bodyPr lIns="0" tIns="0" rIns="0" bIns="0">
             <a:normAutofit/>
           </a:bodyPr>
-          <a:p>
-            <a:endParaRPr b="0" lang="es-CR" sz="3200" spc="-1" strike="noStrike">
+          <a:lstStyle/>
+          <a:p>
+            <a:endParaRPr lang="es-CR" sz="3200" b="0" strike="noStrike" spc="-1">
               <a:latin typeface="Arial"/>
             </a:endParaRPr>
           </a:p>
@@ -1984,11 +2179,12 @@
           </a:prstGeom>
         </p:spPr>
         <p:txBody>
-          <a:bodyPr lIns="0" rIns="0" tIns="0" bIns="0">
+          <a:bodyPr lIns="0" tIns="0" rIns="0" bIns="0">
             <a:normAutofit/>
           </a:bodyPr>
-          <a:p>
-            <a:endParaRPr b="0" lang="es-CR" sz="3200" spc="-1" strike="noStrike">
+          <a:lstStyle/>
+          <a:p>
+            <a:endParaRPr lang="es-CR" sz="3200" b="0" strike="noStrike" spc="-1">
               <a:latin typeface="Arial"/>
             </a:endParaRPr>
           </a:p>
@@ -1996,11 +2192,14 @@
       </p:sp>
     </p:spTree>
   </p:cSld>
+  <p:clrMapOvr>
+    <a:masterClrMapping/>
+  </p:clrMapOvr>
 </p:sldLayout>
 </file>
 
 <file path=ppt/slideLayouts/slideLayout3.xml><?xml version="1.0" encoding="utf-8"?>
-<p:sldLayout xmlns:a="http://schemas.openxmlformats.org/drawingml/2006/main" xmlns:p="http://schemas.openxmlformats.org/presentationml/2006/main" xmlns:r="http://schemas.openxmlformats.org/officeDocument/2006/relationships" xmlns:p14="http://schemas.microsoft.com/office/powerpoint/2010/main" xmlns:p15="http://schemas.microsoft.com/office/powerpoint/2012/main" xmlns:mc="http://schemas.openxmlformats.org/markup-compatibility/2006" type="obj" preserve="1">
+<p:sldLayout xmlns:a="http://schemas.openxmlformats.org/drawingml/2006/main" xmlns:r="http://schemas.openxmlformats.org/officeDocument/2006/relationships" xmlns:p="http://schemas.openxmlformats.org/presentationml/2006/main" type="obj" preserve="1">
   <p:cSld name="Title, Content">
     <p:spTree>
       <p:nvGrpSpPr>
@@ -2036,12 +2235,13 @@
           </a:prstGeom>
         </p:spPr>
         <p:txBody>
-          <a:bodyPr lIns="0" rIns="0" tIns="0" bIns="0" anchor="ctr">
+          <a:bodyPr lIns="0" tIns="0" rIns="0" bIns="0" anchor="ctr">
             <a:spAutoFit/>
           </a:bodyPr>
+          <a:lstStyle/>
           <a:p>
             <a:pPr algn="ctr"/>
-            <a:endParaRPr b="0" lang="es-CR" sz="4400" spc="-1" strike="noStrike">
+            <a:endParaRPr lang="es-CR" sz="4400" b="0" strike="noStrike" spc="-1">
               <a:latin typeface="Arial"/>
             </a:endParaRPr>
           </a:p>
@@ -2067,11 +2267,12 @@
           </a:prstGeom>
         </p:spPr>
         <p:txBody>
-          <a:bodyPr lIns="0" rIns="0" tIns="0" bIns="0">
+          <a:bodyPr lIns="0" tIns="0" rIns="0" bIns="0">
             <a:normAutofit/>
           </a:bodyPr>
-          <a:p>
-            <a:endParaRPr b="0" lang="es-CR" sz="3200" spc="-1" strike="noStrike">
+          <a:lstStyle/>
+          <a:p>
+            <a:endParaRPr lang="es-CR" sz="3200" b="0" strike="noStrike" spc="-1">
               <a:latin typeface="Arial"/>
             </a:endParaRPr>
           </a:p>
@@ -2079,11 +2280,14 @@
       </p:sp>
     </p:spTree>
   </p:cSld>
+  <p:clrMapOvr>
+    <a:masterClrMapping/>
+  </p:clrMapOvr>
 </p:sldLayout>
 </file>
 
 <file path=ppt/slideLayouts/slideLayout4.xml><?xml version="1.0" encoding="utf-8"?>
-<p:sldLayout xmlns:a="http://schemas.openxmlformats.org/drawingml/2006/main" xmlns:p="http://schemas.openxmlformats.org/presentationml/2006/main" xmlns:r="http://schemas.openxmlformats.org/officeDocument/2006/relationships" xmlns:p14="http://schemas.microsoft.com/office/powerpoint/2010/main" xmlns:p15="http://schemas.microsoft.com/office/powerpoint/2012/main" xmlns:mc="http://schemas.openxmlformats.org/markup-compatibility/2006" type="twoObj" preserve="1">
+<p:sldLayout xmlns:a="http://schemas.openxmlformats.org/drawingml/2006/main" xmlns:r="http://schemas.openxmlformats.org/officeDocument/2006/relationships" xmlns:p="http://schemas.openxmlformats.org/presentationml/2006/main" type="twoObj" preserve="1">
   <p:cSld name="Title, 2 Content">
     <p:spTree>
       <p:nvGrpSpPr>
@@ -2119,12 +2323,13 @@
           </a:prstGeom>
         </p:spPr>
         <p:txBody>
-          <a:bodyPr lIns="0" rIns="0" tIns="0" bIns="0" anchor="ctr">
+          <a:bodyPr lIns="0" tIns="0" rIns="0" bIns="0" anchor="ctr">
             <a:spAutoFit/>
           </a:bodyPr>
+          <a:lstStyle/>
           <a:p>
             <a:pPr algn="ctr"/>
-            <a:endParaRPr b="0" lang="es-CR" sz="4400" spc="-1" strike="noStrike">
+            <a:endParaRPr lang="es-CR" sz="4400" b="0" strike="noStrike" spc="-1">
               <a:latin typeface="Arial"/>
             </a:endParaRPr>
           </a:p>
@@ -2150,11 +2355,12 @@
           </a:prstGeom>
         </p:spPr>
         <p:txBody>
-          <a:bodyPr lIns="0" rIns="0" tIns="0" bIns="0">
+          <a:bodyPr lIns="0" tIns="0" rIns="0" bIns="0">
             <a:normAutofit/>
           </a:bodyPr>
-          <a:p>
-            <a:endParaRPr b="0" lang="es-CR" sz="3200" spc="-1" strike="noStrike">
+          <a:lstStyle/>
+          <a:p>
+            <a:endParaRPr lang="es-CR" sz="3200" b="0" strike="noStrike" spc="-1">
               <a:latin typeface="Arial"/>
             </a:endParaRPr>
           </a:p>
@@ -2180,11 +2386,12 @@
           </a:prstGeom>
         </p:spPr>
         <p:txBody>
-          <a:bodyPr lIns="0" rIns="0" tIns="0" bIns="0">
+          <a:bodyPr lIns="0" tIns="0" rIns="0" bIns="0">
             <a:normAutofit/>
           </a:bodyPr>
-          <a:p>
-            <a:endParaRPr b="0" lang="es-CR" sz="3200" spc="-1" strike="noStrike">
+          <a:lstStyle/>
+          <a:p>
+            <a:endParaRPr lang="es-CR" sz="3200" b="0" strike="noStrike" spc="-1">
               <a:latin typeface="Arial"/>
             </a:endParaRPr>
           </a:p>
@@ -2192,11 +2399,14 @@
       </p:sp>
     </p:spTree>
   </p:cSld>
+  <p:clrMapOvr>
+    <a:masterClrMapping/>
+  </p:clrMapOvr>
 </p:sldLayout>
 </file>
 
 <file path=ppt/slideLayouts/slideLayout5.xml><?xml version="1.0" encoding="utf-8"?>
-<p:sldLayout xmlns:a="http://schemas.openxmlformats.org/drawingml/2006/main" xmlns:p="http://schemas.openxmlformats.org/presentationml/2006/main" xmlns:r="http://schemas.openxmlformats.org/officeDocument/2006/relationships" xmlns:p14="http://schemas.microsoft.com/office/powerpoint/2010/main" xmlns:p15="http://schemas.microsoft.com/office/powerpoint/2012/main" xmlns:mc="http://schemas.openxmlformats.org/markup-compatibility/2006" type="titleOnly" preserve="1">
+<p:sldLayout xmlns:a="http://schemas.openxmlformats.org/drawingml/2006/main" xmlns:r="http://schemas.openxmlformats.org/officeDocument/2006/relationships" xmlns:p="http://schemas.openxmlformats.org/presentationml/2006/main" type="titleOnly" preserve="1">
   <p:cSld name="Title Only">
     <p:spTree>
       <p:nvGrpSpPr>
@@ -2232,12 +2442,13 @@
           </a:prstGeom>
         </p:spPr>
         <p:txBody>
-          <a:bodyPr lIns="0" rIns="0" tIns="0" bIns="0" anchor="ctr">
+          <a:bodyPr lIns="0" tIns="0" rIns="0" bIns="0" anchor="ctr">
             <a:spAutoFit/>
           </a:bodyPr>
+          <a:lstStyle/>
           <a:p>
             <a:pPr algn="ctr"/>
-            <a:endParaRPr b="0" lang="es-CR" sz="4400" spc="-1" strike="noStrike">
+            <a:endParaRPr lang="es-CR" sz="4400" b="0" strike="noStrike" spc="-1">
               <a:latin typeface="Arial"/>
             </a:endParaRPr>
           </a:p>
@@ -2245,11 +2456,14 @@
       </p:sp>
     </p:spTree>
   </p:cSld>
+  <p:clrMapOvr>
+    <a:masterClrMapping/>
+  </p:clrMapOvr>
 </p:sldLayout>
 </file>
 
 <file path=ppt/slideLayouts/slideLayout6.xml><?xml version="1.0" encoding="utf-8"?>
-<p:sldLayout xmlns:a="http://schemas.openxmlformats.org/drawingml/2006/main" xmlns:p="http://schemas.openxmlformats.org/presentationml/2006/main" xmlns:r="http://schemas.openxmlformats.org/officeDocument/2006/relationships" xmlns:p14="http://schemas.microsoft.com/office/powerpoint/2010/main" xmlns:p15="http://schemas.microsoft.com/office/powerpoint/2012/main" xmlns:mc="http://schemas.openxmlformats.org/markup-compatibility/2006" type="objOnly" preserve="1">
+<p:sldLayout xmlns:a="http://schemas.openxmlformats.org/drawingml/2006/main" xmlns:r="http://schemas.openxmlformats.org/officeDocument/2006/relationships" xmlns:p="http://schemas.openxmlformats.org/presentationml/2006/main" type="objOnly" preserve="1">
   <p:cSld name="Centered Text">
     <p:spTree>
       <p:nvGrpSpPr>
@@ -2285,12 +2499,13 @@
           </a:prstGeom>
         </p:spPr>
         <p:txBody>
-          <a:bodyPr lIns="0" rIns="0" tIns="0" bIns="0" anchor="ctr">
+          <a:bodyPr lIns="0" tIns="0" rIns="0" bIns="0" anchor="ctr">
             <a:spAutoFit/>
           </a:bodyPr>
+          <a:lstStyle/>
           <a:p>
             <a:pPr algn="ctr"/>
-            <a:endParaRPr b="0" lang="es-CR" sz="3200" spc="-1" strike="noStrike">
+            <a:endParaRPr lang="es-CR" sz="3200" b="0" strike="noStrike" spc="-1">
               <a:latin typeface="Arial"/>
             </a:endParaRPr>
           </a:p>
@@ -2298,11 +2513,14 @@
       </p:sp>
     </p:spTree>
   </p:cSld>
+  <p:clrMapOvr>
+    <a:masterClrMapping/>
+  </p:clrMapOvr>
 </p:sldLayout>
 </file>
 
 <file path=ppt/slideLayouts/slideLayout7.xml><?xml version="1.0" encoding="utf-8"?>
-<p:sldLayout xmlns:a="http://schemas.openxmlformats.org/drawingml/2006/main" xmlns:p="http://schemas.openxmlformats.org/presentationml/2006/main" xmlns:r="http://schemas.openxmlformats.org/officeDocument/2006/relationships" xmlns:p14="http://schemas.microsoft.com/office/powerpoint/2010/main" xmlns:p15="http://schemas.microsoft.com/office/powerpoint/2012/main" xmlns:mc="http://schemas.openxmlformats.org/markup-compatibility/2006" type="twoObjAndObj" preserve="1">
+<p:sldLayout xmlns:a="http://schemas.openxmlformats.org/drawingml/2006/main" xmlns:r="http://schemas.openxmlformats.org/officeDocument/2006/relationships" xmlns:p="http://schemas.openxmlformats.org/presentationml/2006/main" type="twoObjAndObj" preserve="1">
   <p:cSld name="Title, 2 Content and Content">
     <p:spTree>
       <p:nvGrpSpPr>
@@ -2338,12 +2556,13 @@
           </a:prstGeom>
         </p:spPr>
         <p:txBody>
-          <a:bodyPr lIns="0" rIns="0" tIns="0" bIns="0" anchor="ctr">
+          <a:bodyPr lIns="0" tIns="0" rIns="0" bIns="0" anchor="ctr">
             <a:spAutoFit/>
           </a:bodyPr>
+          <a:lstStyle/>
           <a:p>
             <a:pPr algn="ctr"/>
-            <a:endParaRPr b="0" lang="es-CR" sz="4400" spc="-1" strike="noStrike">
+            <a:endParaRPr lang="es-CR" sz="4400" b="0" strike="noStrike" spc="-1">
               <a:latin typeface="Arial"/>
             </a:endParaRPr>
           </a:p>
@@ -2369,11 +2588,12 @@
           </a:prstGeom>
         </p:spPr>
         <p:txBody>
-          <a:bodyPr lIns="0" rIns="0" tIns="0" bIns="0">
+          <a:bodyPr lIns="0" tIns="0" rIns="0" bIns="0">
             <a:normAutofit/>
           </a:bodyPr>
-          <a:p>
-            <a:endParaRPr b="0" lang="es-CR" sz="3200" spc="-1" strike="noStrike">
+          <a:lstStyle/>
+          <a:p>
+            <a:endParaRPr lang="es-CR" sz="3200" b="0" strike="noStrike" spc="-1">
               <a:latin typeface="Arial"/>
             </a:endParaRPr>
           </a:p>
@@ -2399,11 +2619,12 @@
           </a:prstGeom>
         </p:spPr>
         <p:txBody>
-          <a:bodyPr lIns="0" rIns="0" tIns="0" bIns="0">
+          <a:bodyPr lIns="0" tIns="0" rIns="0" bIns="0">
             <a:normAutofit/>
           </a:bodyPr>
-          <a:p>
-            <a:endParaRPr b="0" lang="es-CR" sz="3200" spc="-1" strike="noStrike">
+          <a:lstStyle/>
+          <a:p>
+            <a:endParaRPr lang="es-CR" sz="3200" b="0" strike="noStrike" spc="-1">
               <a:latin typeface="Arial"/>
             </a:endParaRPr>
           </a:p>
@@ -2429,11 +2650,12 @@
           </a:prstGeom>
         </p:spPr>
         <p:txBody>
-          <a:bodyPr lIns="0" rIns="0" tIns="0" bIns="0">
+          <a:bodyPr lIns="0" tIns="0" rIns="0" bIns="0">
             <a:normAutofit/>
           </a:bodyPr>
-          <a:p>
-            <a:endParaRPr b="0" lang="es-CR" sz="3200" spc="-1" strike="noStrike">
+          <a:lstStyle/>
+          <a:p>
+            <a:endParaRPr lang="es-CR" sz="3200" b="0" strike="noStrike" spc="-1">
               <a:latin typeface="Arial"/>
             </a:endParaRPr>
           </a:p>
@@ -2441,11 +2663,14 @@
       </p:sp>
     </p:spTree>
   </p:cSld>
+  <p:clrMapOvr>
+    <a:masterClrMapping/>
+  </p:clrMapOvr>
 </p:sldLayout>
 </file>
 
 <file path=ppt/slideLayouts/slideLayout8.xml><?xml version="1.0" encoding="utf-8"?>
-<p:sldLayout xmlns:a="http://schemas.openxmlformats.org/drawingml/2006/main" xmlns:p="http://schemas.openxmlformats.org/presentationml/2006/main" xmlns:r="http://schemas.openxmlformats.org/officeDocument/2006/relationships" xmlns:p14="http://schemas.microsoft.com/office/powerpoint/2010/main" xmlns:p15="http://schemas.microsoft.com/office/powerpoint/2012/main" xmlns:mc="http://schemas.openxmlformats.org/markup-compatibility/2006" type="objAndTwoObj" preserve="1">
+<p:sldLayout xmlns:a="http://schemas.openxmlformats.org/drawingml/2006/main" xmlns:r="http://schemas.openxmlformats.org/officeDocument/2006/relationships" xmlns:p="http://schemas.openxmlformats.org/presentationml/2006/main" type="objAndTwoObj" preserve="1">
   <p:cSld name="Title Content and 2 Content">
     <p:spTree>
       <p:nvGrpSpPr>
@@ -2481,12 +2706,13 @@
           </a:prstGeom>
         </p:spPr>
         <p:txBody>
-          <a:bodyPr lIns="0" rIns="0" tIns="0" bIns="0" anchor="ctr">
+          <a:bodyPr lIns="0" tIns="0" rIns="0" bIns="0" anchor="ctr">
             <a:spAutoFit/>
           </a:bodyPr>
+          <a:lstStyle/>
           <a:p>
             <a:pPr algn="ctr"/>
-            <a:endParaRPr b="0" lang="es-CR" sz="4400" spc="-1" strike="noStrike">
+            <a:endParaRPr lang="es-CR" sz="4400" b="0" strike="noStrike" spc="-1">
               <a:latin typeface="Arial"/>
             </a:endParaRPr>
           </a:p>
@@ -2512,11 +2738,12 @@
           </a:prstGeom>
         </p:spPr>
         <p:txBody>
-          <a:bodyPr lIns="0" rIns="0" tIns="0" bIns="0">
+          <a:bodyPr lIns="0" tIns="0" rIns="0" bIns="0">
             <a:normAutofit/>
           </a:bodyPr>
-          <a:p>
-            <a:endParaRPr b="0" lang="es-CR" sz="3200" spc="-1" strike="noStrike">
+          <a:lstStyle/>
+          <a:p>
+            <a:endParaRPr lang="es-CR" sz="3200" b="0" strike="noStrike" spc="-1">
               <a:latin typeface="Arial"/>
             </a:endParaRPr>
           </a:p>
@@ -2542,11 +2769,12 @@
           </a:prstGeom>
         </p:spPr>
         <p:txBody>
-          <a:bodyPr lIns="0" rIns="0" tIns="0" bIns="0">
+          <a:bodyPr lIns="0" tIns="0" rIns="0" bIns="0">
             <a:normAutofit/>
           </a:bodyPr>
-          <a:p>
-            <a:endParaRPr b="0" lang="es-CR" sz="3200" spc="-1" strike="noStrike">
+          <a:lstStyle/>
+          <a:p>
+            <a:endParaRPr lang="es-CR" sz="3200" b="0" strike="noStrike" spc="-1">
               <a:latin typeface="Arial"/>
             </a:endParaRPr>
           </a:p>
@@ -2572,11 +2800,12 @@
           </a:prstGeom>
         </p:spPr>
         <p:txBody>
-          <a:bodyPr lIns="0" rIns="0" tIns="0" bIns="0">
+          <a:bodyPr lIns="0" tIns="0" rIns="0" bIns="0">
             <a:normAutofit/>
           </a:bodyPr>
-          <a:p>
-            <a:endParaRPr b="0" lang="es-CR" sz="3200" spc="-1" strike="noStrike">
+          <a:lstStyle/>
+          <a:p>
+            <a:endParaRPr lang="es-CR" sz="3200" b="0" strike="noStrike" spc="-1">
               <a:latin typeface="Arial"/>
             </a:endParaRPr>
           </a:p>
@@ -2584,11 +2813,14 @@
       </p:sp>
     </p:spTree>
   </p:cSld>
+  <p:clrMapOvr>
+    <a:masterClrMapping/>
+  </p:clrMapOvr>
 </p:sldLayout>
 </file>
 
 <file path=ppt/slideLayouts/slideLayout9.xml><?xml version="1.0" encoding="utf-8"?>
-<p:sldLayout xmlns:a="http://schemas.openxmlformats.org/drawingml/2006/main" xmlns:p="http://schemas.openxmlformats.org/presentationml/2006/main" xmlns:r="http://schemas.openxmlformats.org/officeDocument/2006/relationships" xmlns:p14="http://schemas.microsoft.com/office/powerpoint/2010/main" xmlns:p15="http://schemas.microsoft.com/office/powerpoint/2012/main" xmlns:mc="http://schemas.openxmlformats.org/markup-compatibility/2006" type="twoObjOverTx" preserve="1">
+<p:sldLayout xmlns:a="http://schemas.openxmlformats.org/drawingml/2006/main" xmlns:r="http://schemas.openxmlformats.org/officeDocument/2006/relationships" xmlns:p="http://schemas.openxmlformats.org/presentationml/2006/main" type="twoObjOverTx" preserve="1">
   <p:cSld name="Title, 2 Content over Content">
     <p:spTree>
       <p:nvGrpSpPr>
@@ -2624,12 +2856,13 @@
           </a:prstGeom>
         </p:spPr>
         <p:txBody>
-          <a:bodyPr lIns="0" rIns="0" tIns="0" bIns="0" anchor="ctr">
+          <a:bodyPr lIns="0" tIns="0" rIns="0" bIns="0" anchor="ctr">
             <a:spAutoFit/>
           </a:bodyPr>
+          <a:lstStyle/>
           <a:p>
             <a:pPr algn="ctr"/>
-            <a:endParaRPr b="0" lang="es-CR" sz="4400" spc="-1" strike="noStrike">
+            <a:endParaRPr lang="es-CR" sz="4400" b="0" strike="noStrike" spc="-1">
               <a:latin typeface="Arial"/>
             </a:endParaRPr>
           </a:p>
@@ -2655,11 +2888,12 @@
           </a:prstGeom>
         </p:spPr>
         <p:txBody>
-          <a:bodyPr lIns="0" rIns="0" tIns="0" bIns="0">
+          <a:bodyPr lIns="0" tIns="0" rIns="0" bIns="0">
             <a:normAutofit/>
           </a:bodyPr>
-          <a:p>
-            <a:endParaRPr b="0" lang="es-CR" sz="3200" spc="-1" strike="noStrike">
+          <a:lstStyle/>
+          <a:p>
+            <a:endParaRPr lang="es-CR" sz="3200" b="0" strike="noStrike" spc="-1">
               <a:latin typeface="Arial"/>
             </a:endParaRPr>
           </a:p>
@@ -2685,11 +2919,12 @@
           </a:prstGeom>
         </p:spPr>
         <p:txBody>
-          <a:bodyPr lIns="0" rIns="0" tIns="0" bIns="0">
+          <a:bodyPr lIns="0" tIns="0" rIns="0" bIns="0">
             <a:normAutofit/>
           </a:bodyPr>
-          <a:p>
-            <a:endParaRPr b="0" lang="es-CR" sz="3200" spc="-1" strike="noStrike">
+          <a:lstStyle/>
+          <a:p>
+            <a:endParaRPr lang="es-CR" sz="3200" b="0" strike="noStrike" spc="-1">
               <a:latin typeface="Arial"/>
             </a:endParaRPr>
           </a:p>
@@ -2715,11 +2950,12 @@
           </a:prstGeom>
         </p:spPr>
         <p:txBody>
-          <a:bodyPr lIns="0" rIns="0" tIns="0" bIns="0">
+          <a:bodyPr lIns="0" tIns="0" rIns="0" bIns="0">
             <a:normAutofit/>
           </a:bodyPr>
-          <a:p>
-            <a:endParaRPr b="0" lang="es-CR" sz="3200" spc="-1" strike="noStrike">
+          <a:lstStyle/>
+          <a:p>
+            <a:endParaRPr lang="es-CR" sz="3200" b="0" strike="noStrike" spc="-1">
               <a:latin typeface="Arial"/>
             </a:endParaRPr>
           </a:p>
@@ -2727,20 +2963,24 @@
       </p:sp>
     </p:spTree>
   </p:cSld>
+  <p:clrMapOvr>
+    <a:masterClrMapping/>
+  </p:clrMapOvr>
 </p:sldLayout>
 </file>
 
 <file path=ppt/slideMasters/slideMaster1.xml><?xml version="1.0" encoding="utf-8"?>
-<p:sldMaster xmlns:a="http://schemas.openxmlformats.org/drawingml/2006/main" xmlns:p="http://schemas.openxmlformats.org/presentationml/2006/main" xmlns:r="http://schemas.openxmlformats.org/officeDocument/2006/relationships" xmlns:p14="http://schemas.microsoft.com/office/powerpoint/2010/main" xmlns:p15="http://schemas.microsoft.com/office/powerpoint/2012/main" xmlns:mc="http://schemas.openxmlformats.org/markup-compatibility/2006">
+<p:sldMaster xmlns:a="http://schemas.openxmlformats.org/drawingml/2006/main" xmlns:r="http://schemas.openxmlformats.org/officeDocument/2006/relationships" xmlns:p="http://schemas.openxmlformats.org/presentationml/2006/main">
   <p:cSld>
     <p:bg>
       <p:bgPr>
         <a:blipFill rotWithShape="0">
-          <a:blip r:embed="rId2"/>
+          <a:blip r:embed="rId14"/>
           <a:stretch>
             <a:fillRect/>
           </a:stretch>
         </a:blipFill>
+        <a:effectLst/>
       </p:bgPr>
     </p:bg>
     <p:spTree>
@@ -2759,7 +2999,7 @@
       </p:grpSpPr>
       <p:sp>
         <p:nvSpPr>
-          <p:cNvPr id="0" name="PlaceHolder 1"/>
+          <p:cNvPr id="2" name="PlaceHolder 1"/>
           <p:cNvSpPr>
             <a:spLocks noGrp="1"/>
           </p:cNvSpPr>
@@ -2777,26 +3017,24 @@
           </a:prstGeom>
         </p:spPr>
         <p:txBody>
-          <a:bodyPr lIns="0" rIns="0" tIns="0" bIns="0" anchor="ctr">
+          <a:bodyPr lIns="0" tIns="0" rIns="0" bIns="0" anchor="ctr">
             <a:noAutofit/>
           </a:bodyPr>
+          <a:lstStyle/>
           <a:p>
             <a:pPr algn="ctr"/>
             <a:r>
-              <a:rPr b="0" lang="es-CR" sz="4400" spc="-1" strike="noStrike">
+              <a:rPr lang="es-CR" sz="4400" b="0" strike="noStrike" spc="-1">
                 <a:latin typeface="Arial"/>
               </a:rPr>
               <a:t>Click to edit the title text format</a:t>
             </a:r>
-            <a:endParaRPr b="0" lang="es-CR" sz="4400" spc="-1" strike="noStrike">
-              <a:latin typeface="Arial"/>
-            </a:endParaRPr>
-          </a:p>
-        </p:txBody>
-      </p:sp>
-      <p:sp>
-        <p:nvSpPr>
-          <p:cNvPr id="1" name="PlaceHolder 2"/>
+          </a:p>
+        </p:txBody>
+      </p:sp>
+      <p:sp>
+        <p:nvSpPr>
+          <p:cNvPr id="3" name="PlaceHolder 2"/>
           <p:cNvSpPr>
             <a:spLocks noGrp="1"/>
           </p:cNvSpPr>
@@ -2814,9 +3052,10 @@
           </a:prstGeom>
         </p:spPr>
         <p:txBody>
-          <a:bodyPr lIns="0" rIns="0" tIns="0" bIns="0">
+          <a:bodyPr lIns="0" tIns="0" rIns="0" bIns="0">
             <a:normAutofit/>
           </a:bodyPr>
+          <a:lstStyle/>
           <a:p>
             <a:pPr marL="432000" indent="-324000">
               <a:spcBef>
@@ -2830,17 +3069,14 @@
               <a:buChar char=""/>
             </a:pPr>
             <a:r>
-              <a:rPr b="0" lang="es-CR" sz="3200" spc="-1" strike="noStrike">
+              <a:rPr lang="es-CR" sz="3200" b="0" strike="noStrike" spc="-1">
                 <a:latin typeface="Arial"/>
               </a:rPr>
               <a:t>Click to edit the outline text format</a:t>
             </a:r>
-            <a:endParaRPr b="0" lang="es-CR" sz="3200" spc="-1" strike="noStrike">
-              <a:latin typeface="Arial"/>
-            </a:endParaRPr>
-          </a:p>
-          <a:p>
-            <a:pPr lvl="1" marL="864000" indent="-324000">
+          </a:p>
+          <a:p>
+            <a:pPr marL="864000" lvl="1" indent="-324000">
               <a:spcBef>
                 <a:spcPts val="1134"/>
               </a:spcBef>
@@ -2852,17 +3088,14 @@
               <a:buChar char=""/>
             </a:pPr>
             <a:r>
-              <a:rPr b="0" lang="es-CR" sz="2800" spc="-1" strike="noStrike">
+              <a:rPr lang="es-CR" sz="2800" b="0" strike="noStrike" spc="-1">
                 <a:latin typeface="Arial"/>
               </a:rPr>
               <a:t>Second Outline Level</a:t>
             </a:r>
-            <a:endParaRPr b="0" lang="es-CR" sz="2800" spc="-1" strike="noStrike">
-              <a:latin typeface="Arial"/>
-            </a:endParaRPr>
-          </a:p>
-          <a:p>
-            <a:pPr lvl="2" marL="1296000" indent="-288000">
+          </a:p>
+          <a:p>
+            <a:pPr marL="1296000" lvl="2" indent="-288000">
               <a:spcBef>
                 <a:spcPts val="850"/>
               </a:spcBef>
@@ -2874,17 +3107,14 @@
               <a:buChar char=""/>
             </a:pPr>
             <a:r>
-              <a:rPr b="0" lang="es-CR" sz="2400" spc="-1" strike="noStrike">
+              <a:rPr lang="es-CR" sz="2400" b="0" strike="noStrike" spc="-1">
                 <a:latin typeface="Arial"/>
               </a:rPr>
               <a:t>Third Outline Level</a:t>
             </a:r>
-            <a:endParaRPr b="0" lang="es-CR" sz="2400" spc="-1" strike="noStrike">
-              <a:latin typeface="Arial"/>
-            </a:endParaRPr>
-          </a:p>
-          <a:p>
-            <a:pPr lvl="3" marL="1728000" indent="-216000">
+          </a:p>
+          <a:p>
+            <a:pPr marL="1728000" lvl="3" indent="-216000">
               <a:spcBef>
                 <a:spcPts val="567"/>
               </a:spcBef>
@@ -2896,17 +3126,14 @@
               <a:buChar char=""/>
             </a:pPr>
             <a:r>
-              <a:rPr b="0" lang="es-CR" sz="2000" spc="-1" strike="noStrike">
+              <a:rPr lang="es-CR" sz="2000" b="0" strike="noStrike" spc="-1">
                 <a:latin typeface="Arial"/>
               </a:rPr>
               <a:t>Fourth Outline Level</a:t>
             </a:r>
-            <a:endParaRPr b="0" lang="es-CR" sz="2000" spc="-1" strike="noStrike">
-              <a:latin typeface="Arial"/>
-            </a:endParaRPr>
-          </a:p>
-          <a:p>
-            <a:pPr lvl="4" marL="2160000" indent="-216000">
+          </a:p>
+          <a:p>
+            <a:pPr marL="2160000" lvl="4" indent="-216000">
               <a:spcBef>
                 <a:spcPts val="283"/>
               </a:spcBef>
@@ -2918,17 +3145,14 @@
               <a:buChar char=""/>
             </a:pPr>
             <a:r>
-              <a:rPr b="0" lang="es-CR" sz="2000" spc="-1" strike="noStrike">
+              <a:rPr lang="es-CR" sz="2000" b="0" strike="noStrike" spc="-1">
                 <a:latin typeface="Arial"/>
               </a:rPr>
               <a:t>Fifth Outline Level</a:t>
             </a:r>
-            <a:endParaRPr b="0" lang="es-CR" sz="2000" spc="-1" strike="noStrike">
-              <a:latin typeface="Arial"/>
-            </a:endParaRPr>
-          </a:p>
-          <a:p>
-            <a:pPr lvl="5" marL="2592000" indent="-216000">
+          </a:p>
+          <a:p>
+            <a:pPr marL="2592000" lvl="5" indent="-216000">
               <a:spcBef>
                 <a:spcPts val="283"/>
               </a:spcBef>
@@ -2940,17 +3164,14 @@
               <a:buChar char=""/>
             </a:pPr>
             <a:r>
-              <a:rPr b="0" lang="es-CR" sz="2000" spc="-1" strike="noStrike">
+              <a:rPr lang="es-CR" sz="2000" b="0" strike="noStrike" spc="-1">
                 <a:latin typeface="Arial"/>
               </a:rPr>
               <a:t>Sixth Outline Level</a:t>
             </a:r>
-            <a:endParaRPr b="0" lang="es-CR" sz="2000" spc="-1" strike="noStrike">
-              <a:latin typeface="Arial"/>
-            </a:endParaRPr>
-          </a:p>
-          <a:p>
-            <a:pPr lvl="6" marL="3024000" indent="-216000">
+          </a:p>
+          <a:p>
+            <a:pPr marL="3024000" lvl="6" indent="-216000">
               <a:spcBef>
                 <a:spcPts val="283"/>
               </a:spcBef>
@@ -2962,48 +3183,326 @@
               <a:buChar char=""/>
             </a:pPr>
             <a:r>
-              <a:rPr b="0" lang="es-CR" sz="2000" spc="-1" strike="noStrike">
+              <a:rPr lang="es-CR" sz="2000" b="0" strike="noStrike" spc="-1">
                 <a:latin typeface="Arial"/>
               </a:rPr>
               <a:t>Seventh Outline Level</a:t>
             </a:r>
-            <a:endParaRPr b="0" lang="es-CR" sz="2000" spc="-1" strike="noStrike">
-              <a:latin typeface="Arial"/>
-            </a:endParaRPr>
           </a:p>
         </p:txBody>
       </p:sp>
     </p:spTree>
   </p:cSld>
-  <p:clrMap bg1="lt1" bg2="lt2" tx1="dk1" tx2="dk2" accent1="accent1" accent2="accent2" accent3="accent3" accent4="accent4" accent5="accent5" accent6="accent6" hlink="hlink" folHlink="folHlink"/>
+  <p:clrMap bg1="lt1" tx1="dk1" bg2="lt2" tx2="dk2" accent1="accent1" accent2="accent2" accent3="accent3" accent4="accent4" accent5="accent5" accent6="accent6" hlink="hlink" folHlink="folHlink"/>
   <p:sldLayoutIdLst>
-    <p:sldLayoutId id="2147483649" r:id="rId3"/>
-    <p:sldLayoutId id="2147483650" r:id="rId4"/>
-    <p:sldLayoutId id="2147483651" r:id="rId5"/>
-    <p:sldLayoutId id="2147483652" r:id="rId6"/>
-    <p:sldLayoutId id="2147483653" r:id="rId7"/>
-    <p:sldLayoutId id="2147483654" r:id="rId8"/>
-    <p:sldLayoutId id="2147483655" r:id="rId9"/>
-    <p:sldLayoutId id="2147483656" r:id="rId10"/>
-    <p:sldLayoutId id="2147483657" r:id="rId11"/>
-    <p:sldLayoutId id="2147483658" r:id="rId12"/>
-    <p:sldLayoutId id="2147483659" r:id="rId13"/>
-    <p:sldLayoutId id="2147483660" r:id="rId14"/>
+    <p:sldLayoutId id="2147483649" r:id="rId1"/>
+    <p:sldLayoutId id="2147483650" r:id="rId2"/>
+    <p:sldLayoutId id="2147483651" r:id="rId3"/>
+    <p:sldLayoutId id="2147483652" r:id="rId4"/>
+    <p:sldLayoutId id="2147483653" r:id="rId5"/>
+    <p:sldLayoutId id="2147483654" r:id="rId6"/>
+    <p:sldLayoutId id="2147483655" r:id="rId7"/>
+    <p:sldLayoutId id="2147483656" r:id="rId8"/>
+    <p:sldLayoutId id="2147483657" r:id="rId9"/>
+    <p:sldLayoutId id="2147483658" r:id="rId10"/>
+    <p:sldLayoutId id="2147483659" r:id="rId11"/>
+    <p:sldLayoutId id="2147483660" r:id="rId12"/>
   </p:sldLayoutIdLst>
+  <p:txStyles>
+    <p:titleStyle>
+      <a:lvl1pPr algn="l" defTabSz="914400" rtl="0" eaLnBrk="1" latinLnBrk="0" hangingPunct="1">
+        <a:lnSpc>
+          <a:spcPct val="90000"/>
+        </a:lnSpc>
+        <a:spcBef>
+          <a:spcPct val="0"/>
+        </a:spcBef>
+        <a:buNone/>
+        <a:defRPr sz="4400" kern="1200">
+          <a:solidFill>
+            <a:schemeClr val="tx1"/>
+          </a:solidFill>
+          <a:latin typeface="+mj-lt"/>
+          <a:ea typeface="+mj-ea"/>
+          <a:cs typeface="+mj-cs"/>
+        </a:defRPr>
+      </a:lvl1pPr>
+    </p:titleStyle>
+    <p:bodyStyle>
+      <a:lvl1pPr marL="228600" indent="-228600" algn="l" defTabSz="914400" rtl="0" eaLnBrk="1" latinLnBrk="0" hangingPunct="1">
+        <a:lnSpc>
+          <a:spcPct val="90000"/>
+        </a:lnSpc>
+        <a:spcBef>
+          <a:spcPts val="1000"/>
+        </a:spcBef>
+        <a:buFont typeface="Arial" panose="020B0604020202020204" pitchFamily="34" charset="0"/>
+        <a:buChar char="•"/>
+        <a:defRPr sz="2800" kern="1200">
+          <a:solidFill>
+            <a:schemeClr val="tx1"/>
+          </a:solidFill>
+          <a:latin typeface="+mn-lt"/>
+          <a:ea typeface="+mn-ea"/>
+          <a:cs typeface="+mn-cs"/>
+        </a:defRPr>
+      </a:lvl1pPr>
+      <a:lvl2pPr marL="685800" indent="-228600" algn="l" defTabSz="914400" rtl="0" eaLnBrk="1" latinLnBrk="0" hangingPunct="1">
+        <a:lnSpc>
+          <a:spcPct val="90000"/>
+        </a:lnSpc>
+        <a:spcBef>
+          <a:spcPts val="500"/>
+        </a:spcBef>
+        <a:buFont typeface="Arial" panose="020B0604020202020204" pitchFamily="34" charset="0"/>
+        <a:buChar char="•"/>
+        <a:defRPr sz="2400" kern="1200">
+          <a:solidFill>
+            <a:schemeClr val="tx1"/>
+          </a:solidFill>
+          <a:latin typeface="+mn-lt"/>
+          <a:ea typeface="+mn-ea"/>
+          <a:cs typeface="+mn-cs"/>
+        </a:defRPr>
+      </a:lvl2pPr>
+      <a:lvl3pPr marL="1143000" indent="-228600" algn="l" defTabSz="914400" rtl="0" eaLnBrk="1" latinLnBrk="0" hangingPunct="1">
+        <a:lnSpc>
+          <a:spcPct val="90000"/>
+        </a:lnSpc>
+        <a:spcBef>
+          <a:spcPts val="500"/>
+        </a:spcBef>
+        <a:buFont typeface="Arial" panose="020B0604020202020204" pitchFamily="34" charset="0"/>
+        <a:buChar char="•"/>
+        <a:defRPr sz="2000" kern="1200">
+          <a:solidFill>
+            <a:schemeClr val="tx1"/>
+          </a:solidFill>
+          <a:latin typeface="+mn-lt"/>
+          <a:ea typeface="+mn-ea"/>
+          <a:cs typeface="+mn-cs"/>
+        </a:defRPr>
+      </a:lvl3pPr>
+      <a:lvl4pPr marL="1600200" indent="-228600" algn="l" defTabSz="914400" rtl="0" eaLnBrk="1" latinLnBrk="0" hangingPunct="1">
+        <a:lnSpc>
+          <a:spcPct val="90000"/>
+        </a:lnSpc>
+        <a:spcBef>
+          <a:spcPts val="500"/>
+        </a:spcBef>
+        <a:buFont typeface="Arial" panose="020B0604020202020204" pitchFamily="34" charset="0"/>
+        <a:buChar char="•"/>
+        <a:defRPr sz="1800" kern="1200">
+          <a:solidFill>
+            <a:schemeClr val="tx1"/>
+          </a:solidFill>
+          <a:latin typeface="+mn-lt"/>
+          <a:ea typeface="+mn-ea"/>
+          <a:cs typeface="+mn-cs"/>
+        </a:defRPr>
+      </a:lvl4pPr>
+      <a:lvl5pPr marL="2057400" indent="-228600" algn="l" defTabSz="914400" rtl="0" eaLnBrk="1" latinLnBrk="0" hangingPunct="1">
+        <a:lnSpc>
+          <a:spcPct val="90000"/>
+        </a:lnSpc>
+        <a:spcBef>
+          <a:spcPts val="500"/>
+        </a:spcBef>
+        <a:buFont typeface="Arial" panose="020B0604020202020204" pitchFamily="34" charset="0"/>
+        <a:buChar char="•"/>
+        <a:defRPr sz="1800" kern="1200">
+          <a:solidFill>
+            <a:schemeClr val="tx1"/>
+          </a:solidFill>
+          <a:latin typeface="+mn-lt"/>
+          <a:ea typeface="+mn-ea"/>
+          <a:cs typeface="+mn-cs"/>
+        </a:defRPr>
+      </a:lvl5pPr>
+      <a:lvl6pPr marL="2514600" indent="-228600" algn="l" defTabSz="914400" rtl="0" eaLnBrk="1" latinLnBrk="0" hangingPunct="1">
+        <a:lnSpc>
+          <a:spcPct val="90000"/>
+        </a:lnSpc>
+        <a:spcBef>
+          <a:spcPts val="500"/>
+        </a:spcBef>
+        <a:buFont typeface="Arial" panose="020B0604020202020204" pitchFamily="34" charset="0"/>
+        <a:buChar char="•"/>
+        <a:defRPr sz="1800" kern="1200">
+          <a:solidFill>
+            <a:schemeClr val="tx1"/>
+          </a:solidFill>
+          <a:latin typeface="+mn-lt"/>
+          <a:ea typeface="+mn-ea"/>
+          <a:cs typeface="+mn-cs"/>
+        </a:defRPr>
+      </a:lvl6pPr>
+      <a:lvl7pPr marL="2971800" indent="-228600" algn="l" defTabSz="914400" rtl="0" eaLnBrk="1" latinLnBrk="0" hangingPunct="1">
+        <a:lnSpc>
+          <a:spcPct val="90000"/>
+        </a:lnSpc>
+        <a:spcBef>
+          <a:spcPts val="500"/>
+        </a:spcBef>
+        <a:buFont typeface="Arial" panose="020B0604020202020204" pitchFamily="34" charset="0"/>
+        <a:buChar char="•"/>
+        <a:defRPr sz="1800" kern="1200">
+          <a:solidFill>
+            <a:schemeClr val="tx1"/>
+          </a:solidFill>
+          <a:latin typeface="+mn-lt"/>
+          <a:ea typeface="+mn-ea"/>
+          <a:cs typeface="+mn-cs"/>
+        </a:defRPr>
+      </a:lvl7pPr>
+      <a:lvl8pPr marL="3429000" indent="-228600" algn="l" defTabSz="914400" rtl="0" eaLnBrk="1" latinLnBrk="0" hangingPunct="1">
+        <a:lnSpc>
+          <a:spcPct val="90000"/>
+        </a:lnSpc>
+        <a:spcBef>
+          <a:spcPts val="500"/>
+        </a:spcBef>
+        <a:buFont typeface="Arial" panose="020B0604020202020204" pitchFamily="34" charset="0"/>
+        <a:buChar char="•"/>
+        <a:defRPr sz="1800" kern="1200">
+          <a:solidFill>
+            <a:schemeClr val="tx1"/>
+          </a:solidFill>
+          <a:latin typeface="+mn-lt"/>
+          <a:ea typeface="+mn-ea"/>
+          <a:cs typeface="+mn-cs"/>
+        </a:defRPr>
+      </a:lvl8pPr>
+      <a:lvl9pPr marL="3886200" indent="-228600" algn="l" defTabSz="914400" rtl="0" eaLnBrk="1" latinLnBrk="0" hangingPunct="1">
+        <a:lnSpc>
+          <a:spcPct val="90000"/>
+        </a:lnSpc>
+        <a:spcBef>
+          <a:spcPts val="500"/>
+        </a:spcBef>
+        <a:buFont typeface="Arial" panose="020B0604020202020204" pitchFamily="34" charset="0"/>
+        <a:buChar char="•"/>
+        <a:defRPr sz="1800" kern="1200">
+          <a:solidFill>
+            <a:schemeClr val="tx1"/>
+          </a:solidFill>
+          <a:latin typeface="+mn-lt"/>
+          <a:ea typeface="+mn-ea"/>
+          <a:cs typeface="+mn-cs"/>
+        </a:defRPr>
+      </a:lvl9pPr>
+    </p:bodyStyle>
+    <p:otherStyle>
+      <a:defPPr>
+        <a:defRPr lang="es-ES"/>
+      </a:defPPr>
+      <a:lvl1pPr marL="0" algn="l" defTabSz="914400" rtl="0" eaLnBrk="1" latinLnBrk="0" hangingPunct="1">
+        <a:defRPr sz="1800" kern="1200">
+          <a:solidFill>
+            <a:schemeClr val="tx1"/>
+          </a:solidFill>
+          <a:latin typeface="+mn-lt"/>
+          <a:ea typeface="+mn-ea"/>
+          <a:cs typeface="+mn-cs"/>
+        </a:defRPr>
+      </a:lvl1pPr>
+      <a:lvl2pPr marL="457200" algn="l" defTabSz="914400" rtl="0" eaLnBrk="1" latinLnBrk="0" hangingPunct="1">
+        <a:defRPr sz="1800" kern="1200">
+          <a:solidFill>
+            <a:schemeClr val="tx1"/>
+          </a:solidFill>
+          <a:latin typeface="+mn-lt"/>
+          <a:ea typeface="+mn-ea"/>
+          <a:cs typeface="+mn-cs"/>
+        </a:defRPr>
+      </a:lvl2pPr>
+      <a:lvl3pPr marL="914400" algn="l" defTabSz="914400" rtl="0" eaLnBrk="1" latinLnBrk="0" hangingPunct="1">
+        <a:defRPr sz="1800" kern="1200">
+          <a:solidFill>
+            <a:schemeClr val="tx1"/>
+          </a:solidFill>
+          <a:latin typeface="+mn-lt"/>
+          <a:ea typeface="+mn-ea"/>
+          <a:cs typeface="+mn-cs"/>
+        </a:defRPr>
+      </a:lvl3pPr>
+      <a:lvl4pPr marL="1371600" algn="l" defTabSz="914400" rtl="0" eaLnBrk="1" latinLnBrk="0" hangingPunct="1">
+        <a:defRPr sz="1800" kern="1200">
+          <a:solidFill>
+            <a:schemeClr val="tx1"/>
+          </a:solidFill>
+          <a:latin typeface="+mn-lt"/>
+          <a:ea typeface="+mn-ea"/>
+          <a:cs typeface="+mn-cs"/>
+        </a:defRPr>
+      </a:lvl4pPr>
+      <a:lvl5pPr marL="1828800" algn="l" defTabSz="914400" rtl="0" eaLnBrk="1" latinLnBrk="0" hangingPunct="1">
+        <a:defRPr sz="1800" kern="1200">
+          <a:solidFill>
+            <a:schemeClr val="tx1"/>
+          </a:solidFill>
+          <a:latin typeface="+mn-lt"/>
+          <a:ea typeface="+mn-ea"/>
+          <a:cs typeface="+mn-cs"/>
+        </a:defRPr>
+      </a:lvl5pPr>
+      <a:lvl6pPr marL="2286000" algn="l" defTabSz="914400" rtl="0" eaLnBrk="1" latinLnBrk="0" hangingPunct="1">
+        <a:defRPr sz="1800" kern="1200">
+          <a:solidFill>
+            <a:schemeClr val="tx1"/>
+          </a:solidFill>
+          <a:latin typeface="+mn-lt"/>
+          <a:ea typeface="+mn-ea"/>
+          <a:cs typeface="+mn-cs"/>
+        </a:defRPr>
+      </a:lvl6pPr>
+      <a:lvl7pPr marL="2743200" algn="l" defTabSz="914400" rtl="0" eaLnBrk="1" latinLnBrk="0" hangingPunct="1">
+        <a:defRPr sz="1800" kern="1200">
+          <a:solidFill>
+            <a:schemeClr val="tx1"/>
+          </a:solidFill>
+          <a:latin typeface="+mn-lt"/>
+          <a:ea typeface="+mn-ea"/>
+          <a:cs typeface="+mn-cs"/>
+        </a:defRPr>
+      </a:lvl7pPr>
+      <a:lvl8pPr marL="3200400" algn="l" defTabSz="914400" rtl="0" eaLnBrk="1" latinLnBrk="0" hangingPunct="1">
+        <a:defRPr sz="1800" kern="1200">
+          <a:solidFill>
+            <a:schemeClr val="tx1"/>
+          </a:solidFill>
+          <a:latin typeface="+mn-lt"/>
+          <a:ea typeface="+mn-ea"/>
+          <a:cs typeface="+mn-cs"/>
+        </a:defRPr>
+      </a:lvl8pPr>
+      <a:lvl9pPr marL="3657600" algn="l" defTabSz="914400" rtl="0" eaLnBrk="1" latinLnBrk="0" hangingPunct="1">
+        <a:defRPr sz="1800" kern="1200">
+          <a:solidFill>
+            <a:schemeClr val="tx1"/>
+          </a:solidFill>
+          <a:latin typeface="+mn-lt"/>
+          <a:ea typeface="+mn-ea"/>
+          <a:cs typeface="+mn-cs"/>
+        </a:defRPr>
+      </a:lvl9pPr>
+    </p:otherStyle>
+  </p:txStyles>
 </p:sldMaster>
 </file>
 
 <file path=ppt/slideMasters/slideMaster2.xml><?xml version="1.0" encoding="utf-8"?>
-<p:sldMaster xmlns:a="http://schemas.openxmlformats.org/drawingml/2006/main" xmlns:p="http://schemas.openxmlformats.org/presentationml/2006/main" xmlns:r="http://schemas.openxmlformats.org/officeDocument/2006/relationships" xmlns:p14="http://schemas.microsoft.com/office/powerpoint/2010/main" xmlns:p15="http://schemas.microsoft.com/office/powerpoint/2012/main" xmlns:mc="http://schemas.openxmlformats.org/markup-compatibility/2006">
+<p:sldMaster xmlns:a="http://schemas.openxmlformats.org/drawingml/2006/main" xmlns:r="http://schemas.openxmlformats.org/officeDocument/2006/relationships" xmlns:p="http://schemas.openxmlformats.org/presentationml/2006/main">
   <p:cSld>
     <p:bg>
       <p:bgPr>
         <a:blipFill rotWithShape="0">
-          <a:blip r:embed="rId2"/>
+          <a:blip r:embed="rId14"/>
           <a:stretch>
             <a:fillRect/>
           </a:stretch>
         </a:blipFill>
+        <a:effectLst/>
       </p:bgPr>
     </p:bg>
     <p:spTree>
@@ -3040,20 +3539,18 @@
           </a:prstGeom>
         </p:spPr>
         <p:txBody>
-          <a:bodyPr lIns="0" rIns="0" tIns="0" bIns="0" anchor="ctr">
+          <a:bodyPr lIns="0" tIns="0" rIns="0" bIns="0" anchor="ctr">
             <a:noAutofit/>
           </a:bodyPr>
+          <a:lstStyle/>
           <a:p>
             <a:pPr algn="ctr"/>
             <a:r>
-              <a:rPr b="0" lang="es-CR" sz="4400" spc="-1" strike="noStrike">
+              <a:rPr lang="es-CR" sz="4400" b="0" strike="noStrike" spc="-1">
                 <a:latin typeface="Arial"/>
               </a:rPr>
               <a:t>Click to edit the title text format</a:t>
             </a:r>
-            <a:endParaRPr b="0" lang="es-CR" sz="4400" spc="-1" strike="noStrike">
-              <a:latin typeface="Arial"/>
-            </a:endParaRPr>
           </a:p>
         </p:txBody>
       </p:sp>
@@ -3077,9 +3574,10 @@
           </a:prstGeom>
         </p:spPr>
         <p:txBody>
-          <a:bodyPr lIns="0" rIns="0" tIns="0" bIns="0">
+          <a:bodyPr lIns="0" tIns="0" rIns="0" bIns="0">
             <a:normAutofit/>
           </a:bodyPr>
+          <a:lstStyle/>
           <a:p>
             <a:pPr marL="432000" indent="-324000">
               <a:spcBef>
@@ -3093,17 +3591,14 @@
               <a:buChar char=""/>
             </a:pPr>
             <a:r>
-              <a:rPr b="0" lang="es-CR" sz="3200" spc="-1" strike="noStrike">
+              <a:rPr lang="es-CR" sz="3200" b="0" strike="noStrike" spc="-1">
                 <a:latin typeface="Arial"/>
               </a:rPr>
               <a:t>Click to edit the outline text format</a:t>
             </a:r>
-            <a:endParaRPr b="0" lang="es-CR" sz="3200" spc="-1" strike="noStrike">
-              <a:latin typeface="Arial"/>
-            </a:endParaRPr>
-          </a:p>
-          <a:p>
-            <a:pPr lvl="1" marL="864000" indent="-324000">
+          </a:p>
+          <a:p>
+            <a:pPr marL="864000" lvl="1" indent="-324000">
               <a:spcBef>
                 <a:spcPts val="1134"/>
               </a:spcBef>
@@ -3115,17 +3610,14 @@
               <a:buChar char=""/>
             </a:pPr>
             <a:r>
-              <a:rPr b="0" lang="es-CR" sz="2800" spc="-1" strike="noStrike">
+              <a:rPr lang="es-CR" sz="2800" b="0" strike="noStrike" spc="-1">
                 <a:latin typeface="Arial"/>
               </a:rPr>
               <a:t>Second Outline Level</a:t>
             </a:r>
-            <a:endParaRPr b="0" lang="es-CR" sz="2800" spc="-1" strike="noStrike">
-              <a:latin typeface="Arial"/>
-            </a:endParaRPr>
-          </a:p>
-          <a:p>
-            <a:pPr lvl="2" marL="1296000" indent="-288000">
+          </a:p>
+          <a:p>
+            <a:pPr marL="1296000" lvl="2" indent="-288000">
               <a:spcBef>
                 <a:spcPts val="850"/>
               </a:spcBef>
@@ -3137,17 +3629,14 @@
               <a:buChar char=""/>
             </a:pPr>
             <a:r>
-              <a:rPr b="0" lang="es-CR" sz="2400" spc="-1" strike="noStrike">
+              <a:rPr lang="es-CR" sz="2400" b="0" strike="noStrike" spc="-1">
                 <a:latin typeface="Arial"/>
               </a:rPr>
               <a:t>Third Outline Level</a:t>
             </a:r>
-            <a:endParaRPr b="0" lang="es-CR" sz="2400" spc="-1" strike="noStrike">
-              <a:latin typeface="Arial"/>
-            </a:endParaRPr>
-          </a:p>
-          <a:p>
-            <a:pPr lvl="3" marL="1728000" indent="-216000">
+          </a:p>
+          <a:p>
+            <a:pPr marL="1728000" lvl="3" indent="-216000">
               <a:spcBef>
                 <a:spcPts val="567"/>
               </a:spcBef>
@@ -3159,17 +3648,14 @@
               <a:buChar char=""/>
             </a:pPr>
             <a:r>
-              <a:rPr b="0" lang="es-CR" sz="2000" spc="-1" strike="noStrike">
+              <a:rPr lang="es-CR" sz="2000" b="0" strike="noStrike" spc="-1">
                 <a:latin typeface="Arial"/>
               </a:rPr>
               <a:t>Fourth Outline Level</a:t>
             </a:r>
-            <a:endParaRPr b="0" lang="es-CR" sz="2000" spc="-1" strike="noStrike">
-              <a:latin typeface="Arial"/>
-            </a:endParaRPr>
-          </a:p>
-          <a:p>
-            <a:pPr lvl="4" marL="2160000" indent="-216000">
+          </a:p>
+          <a:p>
+            <a:pPr marL="2160000" lvl="4" indent="-216000">
               <a:spcBef>
                 <a:spcPts val="283"/>
               </a:spcBef>
@@ -3181,17 +3667,14 @@
               <a:buChar char=""/>
             </a:pPr>
             <a:r>
-              <a:rPr b="0" lang="es-CR" sz="2000" spc="-1" strike="noStrike">
+              <a:rPr lang="es-CR" sz="2000" b="0" strike="noStrike" spc="-1">
                 <a:latin typeface="Arial"/>
               </a:rPr>
               <a:t>Fifth Outline Level</a:t>
             </a:r>
-            <a:endParaRPr b="0" lang="es-CR" sz="2000" spc="-1" strike="noStrike">
-              <a:latin typeface="Arial"/>
-            </a:endParaRPr>
-          </a:p>
-          <a:p>
-            <a:pPr lvl="5" marL="2592000" indent="-216000">
+          </a:p>
+          <a:p>
+            <a:pPr marL="2592000" lvl="5" indent="-216000">
               <a:spcBef>
                 <a:spcPts val="283"/>
               </a:spcBef>
@@ -3203,17 +3686,14 @@
               <a:buChar char=""/>
             </a:pPr>
             <a:r>
-              <a:rPr b="0" lang="es-CR" sz="2000" spc="-1" strike="noStrike">
+              <a:rPr lang="es-CR" sz="2000" b="0" strike="noStrike" spc="-1">
                 <a:latin typeface="Arial"/>
               </a:rPr>
               <a:t>Sixth Outline Level</a:t>
             </a:r>
-            <a:endParaRPr b="0" lang="es-CR" sz="2000" spc="-1" strike="noStrike">
-              <a:latin typeface="Arial"/>
-            </a:endParaRPr>
-          </a:p>
-          <a:p>
-            <a:pPr lvl="6" marL="3024000" indent="-216000">
+          </a:p>
+          <a:p>
+            <a:pPr marL="3024000" lvl="6" indent="-216000">
               <a:spcBef>
                 <a:spcPts val="283"/>
               </a:spcBef>
@@ -3225,39 +3705,316 @@
               <a:buChar char=""/>
             </a:pPr>
             <a:r>
-              <a:rPr b="0" lang="es-CR" sz="2000" spc="-1" strike="noStrike">
+              <a:rPr lang="es-CR" sz="2000" b="0" strike="noStrike" spc="-1">
                 <a:latin typeface="Arial"/>
               </a:rPr>
               <a:t>Seventh Outline Level</a:t>
             </a:r>
-            <a:endParaRPr b="0" lang="es-CR" sz="2000" spc="-1" strike="noStrike">
-              <a:latin typeface="Arial"/>
-            </a:endParaRPr>
           </a:p>
         </p:txBody>
       </p:sp>
     </p:spTree>
   </p:cSld>
-  <p:clrMap bg1="lt1" bg2="lt2" tx1="dk1" tx2="dk2" accent1="accent1" accent2="accent2" accent3="accent3" accent4="accent4" accent5="accent5" accent6="accent6" hlink="hlink" folHlink="folHlink"/>
+  <p:clrMap bg1="lt1" tx1="dk1" bg2="lt2" tx2="dk2" accent1="accent1" accent2="accent2" accent3="accent3" accent4="accent4" accent5="accent5" accent6="accent6" hlink="hlink" folHlink="folHlink"/>
   <p:sldLayoutIdLst>
-    <p:sldLayoutId id="2147483662" r:id="rId3"/>
-    <p:sldLayoutId id="2147483663" r:id="rId4"/>
-    <p:sldLayoutId id="2147483664" r:id="rId5"/>
-    <p:sldLayoutId id="2147483665" r:id="rId6"/>
-    <p:sldLayoutId id="2147483666" r:id="rId7"/>
-    <p:sldLayoutId id="2147483667" r:id="rId8"/>
-    <p:sldLayoutId id="2147483668" r:id="rId9"/>
-    <p:sldLayoutId id="2147483669" r:id="rId10"/>
-    <p:sldLayoutId id="2147483670" r:id="rId11"/>
-    <p:sldLayoutId id="2147483671" r:id="rId12"/>
-    <p:sldLayoutId id="2147483672" r:id="rId13"/>
-    <p:sldLayoutId id="2147483673" r:id="rId14"/>
+    <p:sldLayoutId id="2147483662" r:id="rId1"/>
+    <p:sldLayoutId id="2147483663" r:id="rId2"/>
+    <p:sldLayoutId id="2147483664" r:id="rId3"/>
+    <p:sldLayoutId id="2147483665" r:id="rId4"/>
+    <p:sldLayoutId id="2147483666" r:id="rId5"/>
+    <p:sldLayoutId id="2147483667" r:id="rId6"/>
+    <p:sldLayoutId id="2147483668" r:id="rId7"/>
+    <p:sldLayoutId id="2147483669" r:id="rId8"/>
+    <p:sldLayoutId id="2147483670" r:id="rId9"/>
+    <p:sldLayoutId id="2147483671" r:id="rId10"/>
+    <p:sldLayoutId id="2147483672" r:id="rId11"/>
+    <p:sldLayoutId id="2147483673" r:id="rId12"/>
   </p:sldLayoutIdLst>
+  <p:txStyles>
+    <p:titleStyle>
+      <a:lvl1pPr algn="l" defTabSz="914400" rtl="0" eaLnBrk="1" latinLnBrk="0" hangingPunct="1">
+        <a:lnSpc>
+          <a:spcPct val="90000"/>
+        </a:lnSpc>
+        <a:spcBef>
+          <a:spcPct val="0"/>
+        </a:spcBef>
+        <a:buNone/>
+        <a:defRPr sz="4400" kern="1200">
+          <a:solidFill>
+            <a:schemeClr val="tx1"/>
+          </a:solidFill>
+          <a:latin typeface="+mj-lt"/>
+          <a:ea typeface="+mj-ea"/>
+          <a:cs typeface="+mj-cs"/>
+        </a:defRPr>
+      </a:lvl1pPr>
+    </p:titleStyle>
+    <p:bodyStyle>
+      <a:lvl1pPr marL="228600" indent="-228600" algn="l" defTabSz="914400" rtl="0" eaLnBrk="1" latinLnBrk="0" hangingPunct="1">
+        <a:lnSpc>
+          <a:spcPct val="90000"/>
+        </a:lnSpc>
+        <a:spcBef>
+          <a:spcPts val="1000"/>
+        </a:spcBef>
+        <a:buFont typeface="Arial" panose="020B0604020202020204" pitchFamily="34" charset="0"/>
+        <a:buChar char="•"/>
+        <a:defRPr sz="2800" kern="1200">
+          <a:solidFill>
+            <a:schemeClr val="tx1"/>
+          </a:solidFill>
+          <a:latin typeface="+mn-lt"/>
+          <a:ea typeface="+mn-ea"/>
+          <a:cs typeface="+mn-cs"/>
+        </a:defRPr>
+      </a:lvl1pPr>
+      <a:lvl2pPr marL="685800" indent="-228600" algn="l" defTabSz="914400" rtl="0" eaLnBrk="1" latinLnBrk="0" hangingPunct="1">
+        <a:lnSpc>
+          <a:spcPct val="90000"/>
+        </a:lnSpc>
+        <a:spcBef>
+          <a:spcPts val="500"/>
+        </a:spcBef>
+        <a:buFont typeface="Arial" panose="020B0604020202020204" pitchFamily="34" charset="0"/>
+        <a:buChar char="•"/>
+        <a:defRPr sz="2400" kern="1200">
+          <a:solidFill>
+            <a:schemeClr val="tx1"/>
+          </a:solidFill>
+          <a:latin typeface="+mn-lt"/>
+          <a:ea typeface="+mn-ea"/>
+          <a:cs typeface="+mn-cs"/>
+        </a:defRPr>
+      </a:lvl2pPr>
+      <a:lvl3pPr marL="1143000" indent="-228600" algn="l" defTabSz="914400" rtl="0" eaLnBrk="1" latinLnBrk="0" hangingPunct="1">
+        <a:lnSpc>
+          <a:spcPct val="90000"/>
+        </a:lnSpc>
+        <a:spcBef>
+          <a:spcPts val="500"/>
+        </a:spcBef>
+        <a:buFont typeface="Arial" panose="020B0604020202020204" pitchFamily="34" charset="0"/>
+        <a:buChar char="•"/>
+        <a:defRPr sz="2000" kern="1200">
+          <a:solidFill>
+            <a:schemeClr val="tx1"/>
+          </a:solidFill>
+          <a:latin typeface="+mn-lt"/>
+          <a:ea typeface="+mn-ea"/>
+          <a:cs typeface="+mn-cs"/>
+        </a:defRPr>
+      </a:lvl3pPr>
+      <a:lvl4pPr marL="1600200" indent="-228600" algn="l" defTabSz="914400" rtl="0" eaLnBrk="1" latinLnBrk="0" hangingPunct="1">
+        <a:lnSpc>
+          <a:spcPct val="90000"/>
+        </a:lnSpc>
+        <a:spcBef>
+          <a:spcPts val="500"/>
+        </a:spcBef>
+        <a:buFont typeface="Arial" panose="020B0604020202020204" pitchFamily="34" charset="0"/>
+        <a:buChar char="•"/>
+        <a:defRPr sz="1800" kern="1200">
+          <a:solidFill>
+            <a:schemeClr val="tx1"/>
+          </a:solidFill>
+          <a:latin typeface="+mn-lt"/>
+          <a:ea typeface="+mn-ea"/>
+          <a:cs typeface="+mn-cs"/>
+        </a:defRPr>
+      </a:lvl4pPr>
+      <a:lvl5pPr marL="2057400" indent="-228600" algn="l" defTabSz="914400" rtl="0" eaLnBrk="1" latinLnBrk="0" hangingPunct="1">
+        <a:lnSpc>
+          <a:spcPct val="90000"/>
+        </a:lnSpc>
+        <a:spcBef>
+          <a:spcPts val="500"/>
+        </a:spcBef>
+        <a:buFont typeface="Arial" panose="020B0604020202020204" pitchFamily="34" charset="0"/>
+        <a:buChar char="•"/>
+        <a:defRPr sz="1800" kern="1200">
+          <a:solidFill>
+            <a:schemeClr val="tx1"/>
+          </a:solidFill>
+          <a:latin typeface="+mn-lt"/>
+          <a:ea typeface="+mn-ea"/>
+          <a:cs typeface="+mn-cs"/>
+        </a:defRPr>
+      </a:lvl5pPr>
+      <a:lvl6pPr marL="2514600" indent="-228600" algn="l" defTabSz="914400" rtl="0" eaLnBrk="1" latinLnBrk="0" hangingPunct="1">
+        <a:lnSpc>
+          <a:spcPct val="90000"/>
+        </a:lnSpc>
+        <a:spcBef>
+          <a:spcPts val="500"/>
+        </a:spcBef>
+        <a:buFont typeface="Arial" panose="020B0604020202020204" pitchFamily="34" charset="0"/>
+        <a:buChar char="•"/>
+        <a:defRPr sz="1800" kern="1200">
+          <a:solidFill>
+            <a:schemeClr val="tx1"/>
+          </a:solidFill>
+          <a:latin typeface="+mn-lt"/>
+          <a:ea typeface="+mn-ea"/>
+          <a:cs typeface="+mn-cs"/>
+        </a:defRPr>
+      </a:lvl6pPr>
+      <a:lvl7pPr marL="2971800" indent="-228600" algn="l" defTabSz="914400" rtl="0" eaLnBrk="1" latinLnBrk="0" hangingPunct="1">
+        <a:lnSpc>
+          <a:spcPct val="90000"/>
+        </a:lnSpc>
+        <a:spcBef>
+          <a:spcPts val="500"/>
+        </a:spcBef>
+        <a:buFont typeface="Arial" panose="020B0604020202020204" pitchFamily="34" charset="0"/>
+        <a:buChar char="•"/>
+        <a:defRPr sz="1800" kern="1200">
+          <a:solidFill>
+            <a:schemeClr val="tx1"/>
+          </a:solidFill>
+          <a:latin typeface="+mn-lt"/>
+          <a:ea typeface="+mn-ea"/>
+          <a:cs typeface="+mn-cs"/>
+        </a:defRPr>
+      </a:lvl7pPr>
+      <a:lvl8pPr marL="3429000" indent="-228600" algn="l" defTabSz="914400" rtl="0" eaLnBrk="1" latinLnBrk="0" hangingPunct="1">
+        <a:lnSpc>
+          <a:spcPct val="90000"/>
+        </a:lnSpc>
+        <a:spcBef>
+          <a:spcPts val="500"/>
+        </a:spcBef>
+        <a:buFont typeface="Arial" panose="020B0604020202020204" pitchFamily="34" charset="0"/>
+        <a:buChar char="•"/>
+        <a:defRPr sz="1800" kern="1200">
+          <a:solidFill>
+            <a:schemeClr val="tx1"/>
+          </a:solidFill>
+          <a:latin typeface="+mn-lt"/>
+          <a:ea typeface="+mn-ea"/>
+          <a:cs typeface="+mn-cs"/>
+        </a:defRPr>
+      </a:lvl8pPr>
+      <a:lvl9pPr marL="3886200" indent="-228600" algn="l" defTabSz="914400" rtl="0" eaLnBrk="1" latinLnBrk="0" hangingPunct="1">
+        <a:lnSpc>
+          <a:spcPct val="90000"/>
+        </a:lnSpc>
+        <a:spcBef>
+          <a:spcPts val="500"/>
+        </a:spcBef>
+        <a:buFont typeface="Arial" panose="020B0604020202020204" pitchFamily="34" charset="0"/>
+        <a:buChar char="•"/>
+        <a:defRPr sz="1800" kern="1200">
+          <a:solidFill>
+            <a:schemeClr val="tx1"/>
+          </a:solidFill>
+          <a:latin typeface="+mn-lt"/>
+          <a:ea typeface="+mn-ea"/>
+          <a:cs typeface="+mn-cs"/>
+        </a:defRPr>
+      </a:lvl9pPr>
+    </p:bodyStyle>
+    <p:otherStyle>
+      <a:defPPr>
+        <a:defRPr lang="es-ES"/>
+      </a:defPPr>
+      <a:lvl1pPr marL="0" algn="l" defTabSz="914400" rtl="0" eaLnBrk="1" latinLnBrk="0" hangingPunct="1">
+        <a:defRPr sz="1800" kern="1200">
+          <a:solidFill>
+            <a:schemeClr val="tx1"/>
+          </a:solidFill>
+          <a:latin typeface="+mn-lt"/>
+          <a:ea typeface="+mn-ea"/>
+          <a:cs typeface="+mn-cs"/>
+        </a:defRPr>
+      </a:lvl1pPr>
+      <a:lvl2pPr marL="457200" algn="l" defTabSz="914400" rtl="0" eaLnBrk="1" latinLnBrk="0" hangingPunct="1">
+        <a:defRPr sz="1800" kern="1200">
+          <a:solidFill>
+            <a:schemeClr val="tx1"/>
+          </a:solidFill>
+          <a:latin typeface="+mn-lt"/>
+          <a:ea typeface="+mn-ea"/>
+          <a:cs typeface="+mn-cs"/>
+        </a:defRPr>
+      </a:lvl2pPr>
+      <a:lvl3pPr marL="914400" algn="l" defTabSz="914400" rtl="0" eaLnBrk="1" latinLnBrk="0" hangingPunct="1">
+        <a:defRPr sz="1800" kern="1200">
+          <a:solidFill>
+            <a:schemeClr val="tx1"/>
+          </a:solidFill>
+          <a:latin typeface="+mn-lt"/>
+          <a:ea typeface="+mn-ea"/>
+          <a:cs typeface="+mn-cs"/>
+        </a:defRPr>
+      </a:lvl3pPr>
+      <a:lvl4pPr marL="1371600" algn="l" defTabSz="914400" rtl="0" eaLnBrk="1" latinLnBrk="0" hangingPunct="1">
+        <a:defRPr sz="1800" kern="1200">
+          <a:solidFill>
+            <a:schemeClr val="tx1"/>
+          </a:solidFill>
+          <a:latin typeface="+mn-lt"/>
+          <a:ea typeface="+mn-ea"/>
+          <a:cs typeface="+mn-cs"/>
+        </a:defRPr>
+      </a:lvl4pPr>
+      <a:lvl5pPr marL="1828800" algn="l" defTabSz="914400" rtl="0" eaLnBrk="1" latinLnBrk="0" hangingPunct="1">
+        <a:defRPr sz="1800" kern="1200">
+          <a:solidFill>
+            <a:schemeClr val="tx1"/>
+          </a:solidFill>
+          <a:latin typeface="+mn-lt"/>
+          <a:ea typeface="+mn-ea"/>
+          <a:cs typeface="+mn-cs"/>
+        </a:defRPr>
+      </a:lvl5pPr>
+      <a:lvl6pPr marL="2286000" algn="l" defTabSz="914400" rtl="0" eaLnBrk="1" latinLnBrk="0" hangingPunct="1">
+        <a:defRPr sz="1800" kern="1200">
+          <a:solidFill>
+            <a:schemeClr val="tx1"/>
+          </a:solidFill>
+          <a:latin typeface="+mn-lt"/>
+          <a:ea typeface="+mn-ea"/>
+          <a:cs typeface="+mn-cs"/>
+        </a:defRPr>
+      </a:lvl6pPr>
+      <a:lvl7pPr marL="2743200" algn="l" defTabSz="914400" rtl="0" eaLnBrk="1" latinLnBrk="0" hangingPunct="1">
+        <a:defRPr sz="1800" kern="1200">
+          <a:solidFill>
+            <a:schemeClr val="tx1"/>
+          </a:solidFill>
+          <a:latin typeface="+mn-lt"/>
+          <a:ea typeface="+mn-ea"/>
+          <a:cs typeface="+mn-cs"/>
+        </a:defRPr>
+      </a:lvl7pPr>
+      <a:lvl8pPr marL="3200400" algn="l" defTabSz="914400" rtl="0" eaLnBrk="1" latinLnBrk="0" hangingPunct="1">
+        <a:defRPr sz="1800" kern="1200">
+          <a:solidFill>
+            <a:schemeClr val="tx1"/>
+          </a:solidFill>
+          <a:latin typeface="+mn-lt"/>
+          <a:ea typeface="+mn-ea"/>
+          <a:cs typeface="+mn-cs"/>
+        </a:defRPr>
+      </a:lvl8pPr>
+      <a:lvl9pPr marL="3657600" algn="l" defTabSz="914400" rtl="0" eaLnBrk="1" latinLnBrk="0" hangingPunct="1">
+        <a:defRPr sz="1800" kern="1200">
+          <a:solidFill>
+            <a:schemeClr val="tx1"/>
+          </a:solidFill>
+          <a:latin typeface="+mn-lt"/>
+          <a:ea typeface="+mn-ea"/>
+          <a:cs typeface="+mn-cs"/>
+        </a:defRPr>
+      </a:lvl9pPr>
+    </p:otherStyle>
+  </p:txStyles>
 </p:sldMaster>
 </file>
 
 <file path=ppt/slides/slide1.xml><?xml version="1.0" encoding="utf-8"?>
-<p:sld xmlns:a="http://schemas.openxmlformats.org/drawingml/2006/main" xmlns:p="http://schemas.openxmlformats.org/presentationml/2006/main" xmlns:r="http://schemas.openxmlformats.org/officeDocument/2006/relationships" xmlns:p14="http://schemas.microsoft.com/office/powerpoint/2010/main" xmlns:p15="http://schemas.microsoft.com/office/powerpoint/2012/main" xmlns:mc="http://schemas.openxmlformats.org/markup-compatibility/2006">
+<p:sld xmlns:a="http://schemas.openxmlformats.org/drawingml/2006/main" xmlns:r="http://schemas.openxmlformats.org/officeDocument/2006/relationships" xmlns:p="http://schemas.openxmlformats.org/presentationml/2006/main">
   <p:cSld>
     <p:spTree>
       <p:nvGrpSpPr>
@@ -3293,15 +4050,22 @@
           </a:ln>
         </p:spPr>
         <p:style>
-          <a:lnRef idx="0"/>
-          <a:fillRef idx="0"/>
-          <a:effectRef idx="0"/>
+          <a:lnRef idx="0">
+            <a:scrgbClr r="0" g="0" b="0"/>
+          </a:lnRef>
+          <a:fillRef idx="0">
+            <a:scrgbClr r="0" g="0" b="0"/>
+          </a:fillRef>
+          <a:effectRef idx="0">
+            <a:scrgbClr r="0" g="0" b="0"/>
+          </a:effectRef>
           <a:fontRef idx="minor"/>
         </p:style>
         <p:txBody>
-          <a:bodyPr lIns="0" rIns="0" tIns="0" bIns="0" anchor="ctr">
+          <a:bodyPr lIns="0" tIns="0" rIns="0" bIns="0" anchor="ctr">
             <a:spAutoFit/>
           </a:bodyPr>
+          <a:lstStyle/>
           <a:p>
             <a:pPr algn="ctr">
               <a:lnSpc>
@@ -3309,16 +4073,16 @@
               </a:lnSpc>
             </a:pPr>
             <a:r>
-              <a:rPr b="0" lang="es-CR" sz="5860" spc="-1" strike="noStrike">
+              <a:rPr lang="es-CR" sz="5860" b="0" strike="noStrike" spc="-1">
                 <a:solidFill>
-                  <a:srgbClr val="ffffff"/>
+                  <a:srgbClr val="FFFFFF"/>
                 </a:solidFill>
                 <a:latin typeface="Arial"/>
                 <a:ea typeface="DejaVu Sans"/>
               </a:rPr>
               <a:t>Introducción a </a:t>
             </a:r>
-            <a:endParaRPr b="0" lang="es-CR" sz="5860" spc="-1" strike="noStrike">
+            <a:endParaRPr lang="es-CR" sz="5860" b="0" strike="noStrike" spc="-1">
               <a:latin typeface="Arial"/>
             </a:endParaRPr>
           </a:p>
@@ -3329,16 +4093,16 @@
               </a:lnSpc>
             </a:pPr>
             <a:r>
-              <a:rPr b="0" lang="es-CR" sz="5860" spc="-1" strike="noStrike">
+              <a:rPr lang="es-CR" sz="5860" b="0" strike="noStrike" spc="-1">
                 <a:solidFill>
-                  <a:srgbClr val="ffffff"/>
+                  <a:srgbClr val="FFFFFF"/>
                 </a:solidFill>
                 <a:latin typeface="Arial"/>
                 <a:ea typeface="DejaVu Sans"/>
               </a:rPr>
               <a:t>React Hooks</a:t>
             </a:r>
-            <a:endParaRPr b="0" lang="es-CR" sz="5860" spc="-1" strike="noStrike">
+            <a:endParaRPr lang="es-CR" sz="5860" b="0" strike="noStrike" spc="-1">
               <a:latin typeface="Arial"/>
             </a:endParaRPr>
           </a:p>
@@ -3364,15 +4128,22 @@
           </a:ln>
         </p:spPr>
         <p:style>
-          <a:lnRef idx="0"/>
-          <a:fillRef idx="0"/>
-          <a:effectRef idx="0"/>
+          <a:lnRef idx="0">
+            <a:scrgbClr r="0" g="0" b="0"/>
+          </a:lnRef>
+          <a:fillRef idx="0">
+            <a:scrgbClr r="0" g="0" b="0"/>
+          </a:fillRef>
+          <a:effectRef idx="0">
+            <a:scrgbClr r="0" g="0" b="0"/>
+          </a:effectRef>
           <a:fontRef idx="minor"/>
         </p:style>
         <p:txBody>
-          <a:bodyPr lIns="0" rIns="0" tIns="0" bIns="0" anchor="ctr">
+          <a:bodyPr lIns="0" tIns="0" rIns="0" bIns="0" anchor="ctr">
             <a:spAutoFit/>
           </a:bodyPr>
+          <a:lstStyle/>
           <a:p>
             <a:pPr algn="ctr">
               <a:lnSpc>
@@ -3380,16 +4151,16 @@
               </a:lnSpc>
             </a:pPr>
             <a:r>
-              <a:rPr b="0" lang="es-CR" sz="2400" spc="-1" strike="noStrike">
+              <a:rPr lang="es-CR" sz="2400" b="0" strike="noStrike" spc="-1">
                 <a:solidFill>
-                  <a:srgbClr val="ffffff"/>
+                  <a:srgbClr val="FFFFFF"/>
                 </a:solidFill>
                 <a:latin typeface="Arial"/>
                 <a:ea typeface="DejaVu Sans"/>
               </a:rPr>
               <a:t>Lic. Santiago Rodríguez Paniagua. (2020)</a:t>
             </a:r>
-            <a:endParaRPr b="0" lang="es-CR" sz="2400" spc="-1" strike="noStrike">
+            <a:endParaRPr lang="es-CR" sz="2400" b="0" strike="noStrike" spc="-1">
               <a:latin typeface="Arial"/>
             </a:endParaRPr>
           </a:p>
@@ -3397,14 +4168,9 @@
       </p:sp>
     </p:spTree>
   </p:cSld>
-  <mc:AlternateContent>
-    <mc:Choice Requires="p14">
-      <p:transition spd="slow" p14:dur="2000"/>
-    </mc:Choice>
-    <mc:Fallback>
-      <p:transition spd="slow"/>
-    </mc:Fallback>
-  </mc:AlternateContent>
+  <p:clrMapOvr>
+    <a:masterClrMapping/>
+  </p:clrMapOvr>
   <p:timing>
     <p:tnLst>
       <p:par>
@@ -3413,14 +4179,14 @@
             <p:seq>
               <p:cTn id="2" dur="indefinite" nodeType="mainSeq"/>
               <p:prevCondLst>
-                <p:cond delay="0" evt="onPrev">
+                <p:cond evt="onPrev" delay="0">
                   <p:tgtEl>
                     <p:sldTgt/>
                   </p:tgtEl>
                 </p:cond>
               </p:prevCondLst>
               <p:nextCondLst>
-                <p:cond delay="0" evt="onNext">
+                <p:cond evt="onNext" delay="0">
                   <p:tgtEl>
                     <p:sldTgt/>
                   </p:tgtEl>
@@ -3436,7 +4202,7 @@
 </file>
 
 <file path=ppt/slides/slide2.xml><?xml version="1.0" encoding="utf-8"?>
-<p:sld xmlns:a="http://schemas.openxmlformats.org/drawingml/2006/main" xmlns:p="http://schemas.openxmlformats.org/presentationml/2006/main" xmlns:r="http://schemas.openxmlformats.org/officeDocument/2006/relationships" xmlns:p14="http://schemas.microsoft.com/office/powerpoint/2010/main" xmlns:p15="http://schemas.microsoft.com/office/powerpoint/2012/main" xmlns:mc="http://schemas.openxmlformats.org/markup-compatibility/2006">
+<p:sld xmlns:a="http://schemas.openxmlformats.org/drawingml/2006/main" xmlns:r="http://schemas.openxmlformats.org/officeDocument/2006/relationships" xmlns:p="http://schemas.openxmlformats.org/presentationml/2006/main">
   <p:cSld>
     <p:spTree>
       <p:nvGrpSpPr>
@@ -3472,15 +4238,22 @@
           </a:ln>
         </p:spPr>
         <p:style>
-          <a:lnRef idx="0"/>
-          <a:fillRef idx="0"/>
-          <a:effectRef idx="0"/>
+          <a:lnRef idx="0">
+            <a:scrgbClr r="0" g="0" b="0"/>
+          </a:lnRef>
+          <a:fillRef idx="0">
+            <a:scrgbClr r="0" g="0" b="0"/>
+          </a:fillRef>
+          <a:effectRef idx="0">
+            <a:scrgbClr r="0" g="0" b="0"/>
+          </a:effectRef>
           <a:fontRef idx="minor"/>
         </p:style>
         <p:txBody>
-          <a:bodyPr lIns="0" rIns="0" tIns="0" bIns="0" anchor="ctr">
+          <a:bodyPr lIns="0" tIns="0" rIns="0" bIns="0" anchor="ctr">
             <a:spAutoFit/>
           </a:bodyPr>
+          <a:lstStyle/>
           <a:p>
             <a:pPr algn="ctr">
               <a:lnSpc>
@@ -3488,7 +4261,7 @@
               </a:lnSpc>
             </a:pPr>
             <a:r>
-              <a:rPr b="0" lang="es-CR" sz="4400" spc="-1" strike="noStrike">
+              <a:rPr lang="es-CR" sz="4400" b="0" strike="noStrike" spc="-1">
                 <a:solidFill>
                   <a:srgbClr val="000000"/>
                 </a:solidFill>
@@ -3497,7 +4270,7 @@
               </a:rPr>
               <a:t>useState </a:t>
             </a:r>
-            <a:endParaRPr b="0" lang="es-CR" sz="4400" spc="-1" strike="noStrike">
+            <a:endParaRPr lang="es-CR" sz="4400" b="0" strike="noStrike" spc="-1">
               <a:latin typeface="Arial"/>
             </a:endParaRPr>
           </a:p>
@@ -3505,30 +4278,25 @@
       </p:sp>
     </p:spTree>
   </p:cSld>
-  <mc:AlternateContent>
-    <mc:Choice Requires="p14">
-      <p:transition spd="slow" p14:dur="2000"/>
-    </mc:Choice>
-    <mc:Fallback>
-      <p:transition spd="slow"/>
-    </mc:Fallback>
-  </mc:AlternateContent>
+  <p:clrMapOvr>
+    <a:masterClrMapping/>
+  </p:clrMapOvr>
   <p:timing>
     <p:tnLst>
       <p:par>
-        <p:cTn id="3" dur="indefinite" restart="never" nodeType="tmRoot">
+        <p:cTn id="1" dur="indefinite" restart="never" nodeType="tmRoot">
           <p:childTnLst>
             <p:seq>
-              <p:cTn id="4" dur="indefinite" nodeType="mainSeq"/>
+              <p:cTn id="2" dur="indefinite" nodeType="mainSeq"/>
               <p:prevCondLst>
-                <p:cond delay="0" evt="onPrev">
+                <p:cond evt="onPrev" delay="0">
                   <p:tgtEl>
                     <p:sldTgt/>
                   </p:tgtEl>
                 </p:cond>
               </p:prevCondLst>
               <p:nextCondLst>
-                <p:cond delay="0" evt="onNext">
+                <p:cond evt="onNext" delay="0">
                   <p:tgtEl>
                     <p:sldTgt/>
                   </p:tgtEl>
@@ -3544,7 +4312,7 @@
 </file>
 
 <file path=ppt/slides/slide3.xml><?xml version="1.0" encoding="utf-8"?>
-<p:sld xmlns:a="http://schemas.openxmlformats.org/drawingml/2006/main" xmlns:p="http://schemas.openxmlformats.org/presentationml/2006/main" xmlns:r="http://schemas.openxmlformats.org/officeDocument/2006/relationships" xmlns:p14="http://schemas.microsoft.com/office/powerpoint/2010/main" xmlns:p15="http://schemas.microsoft.com/office/powerpoint/2012/main" xmlns:mc="http://schemas.openxmlformats.org/markup-compatibility/2006">
+<p:sld xmlns:a="http://schemas.openxmlformats.org/drawingml/2006/main" xmlns:r="http://schemas.openxmlformats.org/officeDocument/2006/relationships" xmlns:p="http://schemas.openxmlformats.org/presentationml/2006/main">
   <p:cSld>
     <p:spTree>
       <p:nvGrpSpPr>
@@ -3562,12 +4330,12 @@
       </p:grpSpPr>
       <p:pic>
         <p:nvPicPr>
-          <p:cNvPr id="79" name="" descr=""/>
+          <p:cNvPr id="79" name="Imagen 78"/>
           <p:cNvPicPr/>
           <p:nvPr/>
         </p:nvPicPr>
         <p:blipFill>
-          <a:blip r:embed="rId1"/>
+          <a:blip r:embed="rId2"/>
           <a:stretch/>
         </p:blipFill>
         <p:spPr>
@@ -3603,15 +4371,22 @@
           </a:ln>
         </p:spPr>
         <p:style>
-          <a:lnRef idx="0"/>
-          <a:fillRef idx="0"/>
-          <a:effectRef idx="0"/>
+          <a:lnRef idx="0">
+            <a:scrgbClr r="0" g="0" b="0"/>
+          </a:lnRef>
+          <a:fillRef idx="0">
+            <a:scrgbClr r="0" g="0" b="0"/>
+          </a:fillRef>
+          <a:effectRef idx="0">
+            <a:scrgbClr r="0" g="0" b="0"/>
+          </a:effectRef>
           <a:fontRef idx="minor"/>
         </p:style>
         <p:txBody>
-          <a:bodyPr lIns="0" rIns="0" tIns="0" bIns="0" anchor="ctr">
+          <a:bodyPr lIns="0" tIns="0" rIns="0" bIns="0" anchor="ctr">
             <a:spAutoFit/>
           </a:bodyPr>
+          <a:lstStyle/>
           <a:p>
             <a:pPr algn="ctr">
               <a:lnSpc>
@@ -3619,276 +4394,16 @@
               </a:lnSpc>
             </a:pPr>
             <a:r>
-              <a:rPr b="0" lang="es-CR" sz="4400" spc="-1" strike="noStrike">
+              <a:rPr lang="es-CR" sz="4400" b="0" strike="noStrike" spc="-1">
                 <a:solidFill>
                   <a:srgbClr val="000000"/>
                 </a:solidFill>
                 <a:latin typeface="Arial"/>
                 <a:ea typeface="DejaVu Sans"/>
               </a:rPr>
-              <a:t>C</a:t>
+              <a:t>Componente clásico sin Hook</a:t>
             </a:r>
-            <a:r>
-              <a:rPr b="0" lang="es-CR" sz="4400" spc="-1" strike="noStrike">
-                <a:solidFill>
-                  <a:srgbClr val="000000"/>
-                </a:solidFill>
-                <a:latin typeface="Arial"/>
-                <a:ea typeface="DejaVu Sans"/>
-              </a:rPr>
-              <a:t>o</a:t>
-            </a:r>
-            <a:r>
-              <a:rPr b="0" lang="es-CR" sz="4400" spc="-1" strike="noStrike">
-                <a:solidFill>
-                  <a:srgbClr val="000000"/>
-                </a:solidFill>
-                <a:latin typeface="Arial"/>
-                <a:ea typeface="DejaVu Sans"/>
-              </a:rPr>
-              <a:t>m</a:t>
-            </a:r>
-            <a:r>
-              <a:rPr b="0" lang="es-CR" sz="4400" spc="-1" strike="noStrike">
-                <a:solidFill>
-                  <a:srgbClr val="000000"/>
-                </a:solidFill>
-                <a:latin typeface="Arial"/>
-                <a:ea typeface="DejaVu Sans"/>
-              </a:rPr>
-              <a:t>p</a:t>
-            </a:r>
-            <a:r>
-              <a:rPr b="0" lang="es-CR" sz="4400" spc="-1" strike="noStrike">
-                <a:solidFill>
-                  <a:srgbClr val="000000"/>
-                </a:solidFill>
-                <a:latin typeface="Arial"/>
-                <a:ea typeface="DejaVu Sans"/>
-              </a:rPr>
-              <a:t>o</a:t>
-            </a:r>
-            <a:r>
-              <a:rPr b="0" lang="es-CR" sz="4400" spc="-1" strike="noStrike">
-                <a:solidFill>
-                  <a:srgbClr val="000000"/>
-                </a:solidFill>
-                <a:latin typeface="Arial"/>
-                <a:ea typeface="DejaVu Sans"/>
-              </a:rPr>
-              <a:t>n</a:t>
-            </a:r>
-            <a:r>
-              <a:rPr b="0" lang="es-CR" sz="4400" spc="-1" strike="noStrike">
-                <a:solidFill>
-                  <a:srgbClr val="000000"/>
-                </a:solidFill>
-                <a:latin typeface="Arial"/>
-                <a:ea typeface="DejaVu Sans"/>
-              </a:rPr>
-              <a:t>e</a:t>
-            </a:r>
-            <a:r>
-              <a:rPr b="0" lang="es-CR" sz="4400" spc="-1" strike="noStrike">
-                <a:solidFill>
-                  <a:srgbClr val="000000"/>
-                </a:solidFill>
-                <a:latin typeface="Arial"/>
-                <a:ea typeface="DejaVu Sans"/>
-              </a:rPr>
-              <a:t>n</a:t>
-            </a:r>
-            <a:r>
-              <a:rPr b="0" lang="es-CR" sz="4400" spc="-1" strike="noStrike">
-                <a:solidFill>
-                  <a:srgbClr val="000000"/>
-                </a:solidFill>
-                <a:latin typeface="Arial"/>
-                <a:ea typeface="DejaVu Sans"/>
-              </a:rPr>
-              <a:t>t</a:t>
-            </a:r>
-            <a:r>
-              <a:rPr b="0" lang="es-CR" sz="4400" spc="-1" strike="noStrike">
-                <a:solidFill>
-                  <a:srgbClr val="000000"/>
-                </a:solidFill>
-                <a:latin typeface="Arial"/>
-                <a:ea typeface="DejaVu Sans"/>
-              </a:rPr>
-              <a:t>e</a:t>
-            </a:r>
-            <a:r>
-              <a:rPr b="0" lang="es-CR" sz="4400" spc="-1" strike="noStrike">
-                <a:solidFill>
-                  <a:srgbClr val="000000"/>
-                </a:solidFill>
-                <a:latin typeface="Arial"/>
-                <a:ea typeface="DejaVu Sans"/>
-              </a:rPr>
-              <a:t> </a:t>
-            </a:r>
-            <a:r>
-              <a:rPr b="0" lang="es-CR" sz="4400" spc="-1" strike="noStrike">
-                <a:solidFill>
-                  <a:srgbClr val="000000"/>
-                </a:solidFill>
-                <a:latin typeface="Arial"/>
-                <a:ea typeface="DejaVu Sans"/>
-              </a:rPr>
-              <a:t>c</a:t>
-            </a:r>
-            <a:r>
-              <a:rPr b="0" lang="es-CR" sz="4400" spc="-1" strike="noStrike">
-                <a:solidFill>
-                  <a:srgbClr val="000000"/>
-                </a:solidFill>
-                <a:latin typeface="Arial"/>
-                <a:ea typeface="DejaVu Sans"/>
-              </a:rPr>
-              <a:t>l</a:t>
-            </a:r>
-            <a:r>
-              <a:rPr b="0" lang="es-CR" sz="4400" spc="-1" strike="noStrike">
-                <a:solidFill>
-                  <a:srgbClr val="000000"/>
-                </a:solidFill>
-                <a:latin typeface="Arial"/>
-                <a:ea typeface="DejaVu Sans"/>
-              </a:rPr>
-              <a:t>á</a:t>
-            </a:r>
-            <a:r>
-              <a:rPr b="0" lang="es-CR" sz="4400" spc="-1" strike="noStrike">
-                <a:solidFill>
-                  <a:srgbClr val="000000"/>
-                </a:solidFill>
-                <a:latin typeface="Arial"/>
-                <a:ea typeface="DejaVu Sans"/>
-              </a:rPr>
-              <a:t>s</a:t>
-            </a:r>
-            <a:r>
-              <a:rPr b="0" lang="es-CR" sz="4400" spc="-1" strike="noStrike">
-                <a:solidFill>
-                  <a:srgbClr val="000000"/>
-                </a:solidFill>
-                <a:latin typeface="Arial"/>
-                <a:ea typeface="DejaVu Sans"/>
-              </a:rPr>
-              <a:t>i</a:t>
-            </a:r>
-            <a:r>
-              <a:rPr b="0" lang="es-CR" sz="4400" spc="-1" strike="noStrike">
-                <a:solidFill>
-                  <a:srgbClr val="000000"/>
-                </a:solidFill>
-                <a:latin typeface="Arial"/>
-                <a:ea typeface="DejaVu Sans"/>
-              </a:rPr>
-              <a:t>c</a:t>
-            </a:r>
-            <a:r>
-              <a:rPr b="0" lang="es-CR" sz="4400" spc="-1" strike="noStrike">
-                <a:solidFill>
-                  <a:srgbClr val="000000"/>
-                </a:solidFill>
-                <a:latin typeface="Arial"/>
-                <a:ea typeface="DejaVu Sans"/>
-              </a:rPr>
-              <a:t>o</a:t>
-            </a:r>
-            <a:r>
-              <a:rPr b="0" lang="es-CR" sz="4400" spc="-1" strike="noStrike">
-                <a:solidFill>
-                  <a:srgbClr val="000000"/>
-                </a:solidFill>
-                <a:latin typeface="Arial"/>
-                <a:ea typeface="DejaVu Sans"/>
-              </a:rPr>
-              <a:t> </a:t>
-            </a:r>
-            <a:r>
-              <a:rPr b="0" lang="es-CR" sz="4400" spc="-1" strike="noStrike">
-                <a:solidFill>
-                  <a:srgbClr val="000000"/>
-                </a:solidFill>
-                <a:latin typeface="Arial"/>
-                <a:ea typeface="DejaVu Sans"/>
-              </a:rPr>
-              <a:t>s</a:t>
-            </a:r>
-            <a:r>
-              <a:rPr b="0" lang="es-CR" sz="4400" spc="-1" strike="noStrike">
-                <a:solidFill>
-                  <a:srgbClr val="000000"/>
-                </a:solidFill>
-                <a:latin typeface="Arial"/>
-                <a:ea typeface="DejaVu Sans"/>
-              </a:rPr>
-              <a:t>i</a:t>
-            </a:r>
-            <a:r>
-              <a:rPr b="0" lang="es-CR" sz="4400" spc="-1" strike="noStrike">
-                <a:solidFill>
-                  <a:srgbClr val="000000"/>
-                </a:solidFill>
-                <a:latin typeface="Arial"/>
-                <a:ea typeface="DejaVu Sans"/>
-              </a:rPr>
-              <a:t>n</a:t>
-            </a:r>
-            <a:r>
-              <a:rPr b="0" lang="es-CR" sz="4400" spc="-1" strike="noStrike">
-                <a:solidFill>
-                  <a:srgbClr val="000000"/>
-                </a:solidFill>
-                <a:latin typeface="Arial"/>
-                <a:ea typeface="DejaVu Sans"/>
-              </a:rPr>
-              <a:t> </a:t>
-            </a:r>
-            <a:r>
-              <a:rPr b="0" lang="es-CR" sz="4400" spc="-1" strike="noStrike">
-                <a:solidFill>
-                  <a:srgbClr val="000000"/>
-                </a:solidFill>
-                <a:latin typeface="Arial"/>
-                <a:ea typeface="DejaVu Sans"/>
-              </a:rPr>
-              <a:t>H</a:t>
-            </a:r>
-            <a:r>
-              <a:rPr b="0" lang="es-CR" sz="4400" spc="-1" strike="noStrike">
-                <a:solidFill>
-                  <a:srgbClr val="000000"/>
-                </a:solidFill>
-                <a:latin typeface="Arial"/>
-                <a:ea typeface="DejaVu Sans"/>
-              </a:rPr>
-              <a:t>o</a:t>
-            </a:r>
-            <a:r>
-              <a:rPr b="0" lang="es-CR" sz="4400" spc="-1" strike="noStrike">
-                <a:solidFill>
-                  <a:srgbClr val="000000"/>
-                </a:solidFill>
-                <a:latin typeface="Arial"/>
-                <a:ea typeface="DejaVu Sans"/>
-              </a:rPr>
-              <a:t>o</a:t>
-            </a:r>
-            <a:r>
-              <a:rPr b="0" lang="es-CR" sz="4400" spc="-1" strike="noStrike">
-                <a:solidFill>
-                  <a:srgbClr val="000000"/>
-                </a:solidFill>
-                <a:latin typeface="Arial"/>
-                <a:ea typeface="DejaVu Sans"/>
-              </a:rPr>
-              <a:t>k</a:t>
-            </a:r>
-            <a:endParaRPr b="0" lang="es-CR" sz="4400" spc="-1" strike="noStrike">
+            <a:endParaRPr lang="es-CR" sz="4400" b="0" strike="noStrike" spc="-1">
               <a:latin typeface="Arial"/>
             </a:endParaRPr>
           </a:p>
@@ -3910,12 +4425,12 @@
         </p:grpSpPr>
         <p:pic>
           <p:nvPicPr>
-            <p:cNvPr id="82" name="" descr=""/>
+            <p:cNvPr id="82" name="Imagen 81"/>
             <p:cNvPicPr/>
             <p:nvPr/>
           </p:nvPicPr>
           <p:blipFill>
-            <a:blip r:embed="rId2"/>
+            <a:blip r:embed="rId3"/>
             <a:stretch/>
           </p:blipFill>
           <p:spPr>
@@ -3933,12 +4448,12 @@
         </p:pic>
         <p:pic>
           <p:nvPicPr>
-            <p:cNvPr id="83" name="" descr=""/>
+            <p:cNvPr id="83" name="Imagen 82"/>
             <p:cNvPicPr/>
             <p:nvPr/>
           </p:nvPicPr>
           <p:blipFill>
-            <a:blip r:embed="rId3"/>
+            <a:blip r:embed="rId4"/>
             <a:stretch/>
           </p:blipFill>
           <p:spPr>
@@ -3969,6 +4484,7 @@
               <a:avLst/>
               <a:gdLst/>
               <a:ahLst/>
+              <a:cxnLst/>
               <a:rect l="0" t="0" r="r" b="b"/>
               <a:pathLst>
                 <a:path w="1890" h="1303">
@@ -4000,48 +4516,49 @@
               </a:pathLst>
             </a:custGeom>
             <a:solidFill>
-              <a:srgbClr val="729fcf"/>
+              <a:srgbClr val="729FCF"/>
             </a:solidFill>
             <a:ln>
               <a:solidFill>
-                <a:srgbClr val="3465a4"/>
+                <a:srgbClr val="3465A4"/>
               </a:solidFill>
             </a:ln>
           </p:spPr>
           <p:style>
-            <a:lnRef idx="0"/>
-            <a:fillRef idx="0"/>
-            <a:effectRef idx="0"/>
+            <a:lnRef idx="0">
+              <a:scrgbClr r="0" g="0" b="0"/>
+            </a:lnRef>
+            <a:fillRef idx="0">
+              <a:scrgbClr r="0" g="0" b="0"/>
+            </a:fillRef>
+            <a:effectRef idx="0">
+              <a:scrgbClr r="0" g="0" b="0"/>
+            </a:effectRef>
             <a:fontRef idx="minor"/>
           </p:style>
         </p:sp>
       </p:grpSp>
     </p:spTree>
   </p:cSld>
-  <mc:AlternateContent>
-    <mc:Choice Requires="p14">
-      <p:transition spd="slow" p14:dur="2000"/>
-    </mc:Choice>
-    <mc:Fallback>
-      <p:transition spd="slow"/>
-    </mc:Fallback>
-  </mc:AlternateContent>
+  <p:clrMapOvr>
+    <a:masterClrMapping/>
+  </p:clrMapOvr>
   <p:timing>
     <p:tnLst>
       <p:par>
-        <p:cTn id="5" dur="indefinite" restart="never" nodeType="tmRoot">
+        <p:cTn id="1" dur="indefinite" restart="never" nodeType="tmRoot">
           <p:childTnLst>
             <p:seq>
-              <p:cTn id="6" dur="indefinite" nodeType="mainSeq"/>
+              <p:cTn id="2" dur="indefinite" nodeType="mainSeq"/>
               <p:prevCondLst>
-                <p:cond delay="0" evt="onPrev">
+                <p:cond evt="onPrev" delay="0">
                   <p:tgtEl>
                     <p:sldTgt/>
                   </p:tgtEl>
                 </p:cond>
               </p:prevCondLst>
               <p:nextCondLst>
-                <p:cond delay="0" evt="onNext">
+                <p:cond evt="onNext" delay="0">
                   <p:tgtEl>
                     <p:sldTgt/>
                   </p:tgtEl>
@@ -4057,7 +4574,7 @@
 </file>
 
 <file path=ppt/slides/slide4.xml><?xml version="1.0" encoding="utf-8"?>
-<p:sld xmlns:a="http://schemas.openxmlformats.org/drawingml/2006/main" xmlns:p="http://schemas.openxmlformats.org/presentationml/2006/main" xmlns:r="http://schemas.openxmlformats.org/officeDocument/2006/relationships" xmlns:p14="http://schemas.microsoft.com/office/powerpoint/2010/main" xmlns:p15="http://schemas.microsoft.com/office/powerpoint/2012/main" xmlns:mc="http://schemas.openxmlformats.org/markup-compatibility/2006">
+<p:sld xmlns:a="http://schemas.openxmlformats.org/drawingml/2006/main" xmlns:r="http://schemas.openxmlformats.org/officeDocument/2006/relationships" xmlns:p="http://schemas.openxmlformats.org/presentationml/2006/main">
   <p:cSld>
     <p:spTree>
       <p:nvGrpSpPr>
@@ -4075,12 +4592,12 @@
       </p:grpSpPr>
       <p:pic>
         <p:nvPicPr>
-          <p:cNvPr id="85" name="" descr=""/>
+          <p:cNvPr id="85" name="Imagen 84"/>
           <p:cNvPicPr/>
           <p:nvPr/>
         </p:nvPicPr>
         <p:blipFill>
-          <a:blip r:embed="rId1"/>
+          <a:blip r:embed="rId2"/>
           <a:stretch/>
         </p:blipFill>
         <p:spPr>
@@ -4116,15 +4633,22 @@
           </a:ln>
         </p:spPr>
         <p:style>
-          <a:lnRef idx="0"/>
-          <a:fillRef idx="0"/>
-          <a:effectRef idx="0"/>
+          <a:lnRef idx="0">
+            <a:scrgbClr r="0" g="0" b="0"/>
+          </a:lnRef>
+          <a:fillRef idx="0">
+            <a:scrgbClr r="0" g="0" b="0"/>
+          </a:fillRef>
+          <a:effectRef idx="0">
+            <a:scrgbClr r="0" g="0" b="0"/>
+          </a:effectRef>
           <a:fontRef idx="minor"/>
         </p:style>
         <p:txBody>
-          <a:bodyPr lIns="0" rIns="0" tIns="0" bIns="0" anchor="ctr">
+          <a:bodyPr lIns="0" tIns="0" rIns="0" bIns="0" anchor="ctr">
             <a:spAutoFit/>
           </a:bodyPr>
+          <a:lstStyle/>
           <a:p>
             <a:pPr algn="ctr">
               <a:lnSpc>
@@ -4132,7 +4656,7 @@
               </a:lnSpc>
             </a:pPr>
             <a:r>
-              <a:rPr b="0" lang="es-CR" sz="4400" spc="-1" strike="noStrike">
+              <a:rPr lang="es-CR" sz="4400" b="0" strike="noStrike" spc="-1">
                 <a:solidFill>
                   <a:srgbClr val="000000"/>
                 </a:solidFill>
@@ -4141,7 +4665,7 @@
               </a:rPr>
               <a:t>Componente con Hook</a:t>
             </a:r>
-            <a:endParaRPr b="0" lang="es-CR" sz="4400" spc="-1" strike="noStrike">
+            <a:endParaRPr lang="es-CR" sz="4400" b="0" strike="noStrike" spc="-1">
               <a:latin typeface="Arial"/>
             </a:endParaRPr>
           </a:p>
@@ -4163,12 +4687,12 @@
         </p:grpSpPr>
         <p:pic>
           <p:nvPicPr>
-            <p:cNvPr id="88" name="" descr=""/>
+            <p:cNvPr id="88" name="Imagen 87"/>
             <p:cNvPicPr/>
             <p:nvPr/>
           </p:nvPicPr>
           <p:blipFill>
-            <a:blip r:embed="rId2"/>
+            <a:blip r:embed="rId3"/>
             <a:stretch/>
           </p:blipFill>
           <p:spPr>
@@ -4186,12 +4710,12 @@
         </p:pic>
         <p:pic>
           <p:nvPicPr>
-            <p:cNvPr id="89" name="" descr=""/>
+            <p:cNvPr id="89" name="Imagen 88"/>
             <p:cNvPicPr/>
             <p:nvPr/>
           </p:nvPicPr>
           <p:blipFill>
-            <a:blip r:embed="rId3"/>
+            <a:blip r:embed="rId4"/>
             <a:stretch/>
           </p:blipFill>
           <p:spPr>
@@ -4222,6 +4746,7 @@
               <a:avLst/>
               <a:gdLst/>
               <a:ahLst/>
+              <a:cxnLst/>
               <a:rect l="0" t="0" r="r" b="b"/>
               <a:pathLst>
                 <a:path w="1890" h="1303">
@@ -4253,48 +4778,49 @@
               </a:pathLst>
             </a:custGeom>
             <a:solidFill>
-              <a:srgbClr val="729fcf"/>
+              <a:srgbClr val="729FCF"/>
             </a:solidFill>
             <a:ln>
               <a:solidFill>
-                <a:srgbClr val="3465a4"/>
+                <a:srgbClr val="3465A4"/>
               </a:solidFill>
             </a:ln>
           </p:spPr>
           <p:style>
-            <a:lnRef idx="0"/>
-            <a:fillRef idx="0"/>
-            <a:effectRef idx="0"/>
+            <a:lnRef idx="0">
+              <a:scrgbClr r="0" g="0" b="0"/>
+            </a:lnRef>
+            <a:fillRef idx="0">
+              <a:scrgbClr r="0" g="0" b="0"/>
+            </a:fillRef>
+            <a:effectRef idx="0">
+              <a:scrgbClr r="0" g="0" b="0"/>
+            </a:effectRef>
             <a:fontRef idx="minor"/>
           </p:style>
         </p:sp>
       </p:grpSp>
     </p:spTree>
   </p:cSld>
-  <mc:AlternateContent>
-    <mc:Choice Requires="p14">
-      <p:transition spd="slow" p14:dur="2000"/>
-    </mc:Choice>
-    <mc:Fallback>
-      <p:transition spd="slow"/>
-    </mc:Fallback>
-  </mc:AlternateContent>
+  <p:clrMapOvr>
+    <a:masterClrMapping/>
+  </p:clrMapOvr>
   <p:timing>
     <p:tnLst>
       <p:par>
-        <p:cTn id="7" dur="indefinite" restart="never" nodeType="tmRoot">
+        <p:cTn id="1" dur="indefinite" restart="never" nodeType="tmRoot">
           <p:childTnLst>
             <p:seq>
-              <p:cTn id="8" dur="indefinite" nodeType="mainSeq"/>
+              <p:cTn id="2" dur="indefinite" nodeType="mainSeq"/>
               <p:prevCondLst>
-                <p:cond delay="0" evt="onPrev">
+                <p:cond evt="onPrev" delay="0">
                   <p:tgtEl>
                     <p:sldTgt/>
                   </p:tgtEl>
                 </p:cond>
               </p:prevCondLst>
               <p:nextCondLst>
-                <p:cond delay="0" evt="onNext">
+                <p:cond evt="onNext" delay="0">
                   <p:tgtEl>
                     <p:sldTgt/>
                   </p:tgtEl>
@@ -4310,7 +4836,7 @@
 </file>
 
 <file path=ppt/slides/slide5.xml><?xml version="1.0" encoding="utf-8"?>
-<p:sld xmlns:a="http://schemas.openxmlformats.org/drawingml/2006/main" xmlns:p="http://schemas.openxmlformats.org/presentationml/2006/main" xmlns:r="http://schemas.openxmlformats.org/officeDocument/2006/relationships" xmlns:p14="http://schemas.microsoft.com/office/powerpoint/2010/main" xmlns:p15="http://schemas.microsoft.com/office/powerpoint/2012/main" xmlns:mc="http://schemas.openxmlformats.org/markup-compatibility/2006">
+<p:sld xmlns:a="http://schemas.openxmlformats.org/drawingml/2006/main" xmlns:r="http://schemas.openxmlformats.org/officeDocument/2006/relationships" xmlns:p="http://schemas.openxmlformats.org/presentationml/2006/main">
   <p:cSld>
     <p:spTree>
       <p:nvGrpSpPr>
@@ -4346,15 +4872,22 @@
           </a:ln>
         </p:spPr>
         <p:style>
-          <a:lnRef idx="0"/>
-          <a:fillRef idx="0"/>
-          <a:effectRef idx="0"/>
+          <a:lnRef idx="0">
+            <a:scrgbClr r="0" g="0" b="0"/>
+          </a:lnRef>
+          <a:fillRef idx="0">
+            <a:scrgbClr r="0" g="0" b="0"/>
+          </a:fillRef>
+          <a:effectRef idx="0">
+            <a:scrgbClr r="0" g="0" b="0"/>
+          </a:effectRef>
           <a:fontRef idx="minor"/>
         </p:style>
         <p:txBody>
-          <a:bodyPr lIns="0" rIns="0" tIns="0" bIns="0" anchor="ctr">
+          <a:bodyPr lIns="0" tIns="0" rIns="0" bIns="0" anchor="ctr">
             <a:spAutoFit/>
           </a:bodyPr>
+          <a:lstStyle/>
           <a:p>
             <a:pPr>
               <a:lnSpc>
@@ -4362,7 +4895,7 @@
               </a:lnSpc>
             </a:pPr>
             <a:r>
-              <a:rPr b="0" lang="es-CR" sz="4400" spc="-1" strike="noStrike">
+              <a:rPr lang="es-CR" sz="4400" b="0" strike="noStrike" spc="-1">
                 <a:solidFill>
                   <a:srgbClr val="000000"/>
                 </a:solidFill>
@@ -4371,7 +4904,7 @@
               </a:rPr>
               <a:t>Explicación del Hook: useState</a:t>
             </a:r>
-            <a:endParaRPr b="0" lang="es-CR" sz="4400" spc="-1" strike="noStrike">
+            <a:endParaRPr lang="es-CR" sz="4400" b="0" strike="noStrike" spc="-1">
               <a:latin typeface="Arial"/>
             </a:endParaRPr>
           </a:p>
@@ -4379,12 +4912,12 @@
       </p:sp>
       <p:pic>
         <p:nvPicPr>
-          <p:cNvPr id="92" name="" descr=""/>
+          <p:cNvPr id="92" name="Imagen 91"/>
           <p:cNvPicPr/>
           <p:nvPr/>
         </p:nvPicPr>
         <p:blipFill>
-          <a:blip r:embed="rId1"/>
+          <a:blip r:embed="rId2"/>
           <a:stretch/>
         </p:blipFill>
         <p:spPr>
@@ -4415,6 +4948,7 @@
             <a:avLst/>
             <a:gdLst/>
             <a:ahLst/>
+            <a:cxnLst/>
             <a:rect l="0" t="0" r="r" b="b"/>
             <a:pathLst>
               <a:path w="1601" h="2602">
@@ -4446,18 +4980,24 @@
             </a:pathLst>
           </a:custGeom>
           <a:solidFill>
-            <a:srgbClr val="ffff00"/>
+            <a:srgbClr val="FFFF00"/>
           </a:solidFill>
           <a:ln>
             <a:solidFill>
-              <a:srgbClr val="ff0000"/>
+              <a:srgbClr val="FF0000"/>
             </a:solidFill>
           </a:ln>
         </p:spPr>
         <p:style>
-          <a:lnRef idx="0"/>
-          <a:fillRef idx="0"/>
-          <a:effectRef idx="0"/>
+          <a:lnRef idx="0">
+            <a:scrgbClr r="0" g="0" b="0"/>
+          </a:lnRef>
+          <a:fillRef idx="0">
+            <a:scrgbClr r="0" g="0" b="0"/>
+          </a:fillRef>
+          <a:effectRef idx="0">
+            <a:scrgbClr r="0" g="0" b="0"/>
+          </a:effectRef>
           <a:fontRef idx="minor"/>
         </p:style>
       </p:sp>
@@ -4481,19 +5021,17 @@
           </a:ln>
         </p:spPr>
         <p:txBody>
-          <a:bodyPr lIns="90000" rIns="90000" tIns="45000" bIns="45000">
+          <a:bodyPr lIns="90000" tIns="45000" rIns="90000" bIns="45000">
             <a:spAutoFit/>
           </a:bodyPr>
+          <a:lstStyle/>
           <a:p>
             <a:r>
-              <a:rPr b="0" lang="es-CR" sz="2400" spc="-1" strike="noStrike">
+              <a:rPr lang="es-CR" sz="2400" b="0" strike="noStrike" spc="-1">
                 <a:latin typeface="Arial"/>
               </a:rPr>
               <a:t>Este es el State (como una variable)</a:t>
             </a:r>
-            <a:endParaRPr b="0" lang="es-CR" sz="2400" spc="-1" strike="noStrike">
-              <a:latin typeface="Arial"/>
-            </a:endParaRPr>
           </a:p>
         </p:txBody>
       </p:sp>
@@ -4512,6 +5050,7 @@
             <a:avLst/>
             <a:gdLst/>
             <a:ahLst/>
+            <a:cxnLst/>
             <a:rect l="0" t="0" r="r" b="b"/>
             <a:pathLst>
               <a:path w="1601" h="2602">
@@ -4543,18 +5082,24 @@
             </a:pathLst>
           </a:custGeom>
           <a:solidFill>
-            <a:srgbClr val="ffff00"/>
+            <a:srgbClr val="FFFF00"/>
           </a:solidFill>
           <a:ln>
             <a:solidFill>
-              <a:srgbClr val="ff0000"/>
+              <a:srgbClr val="FF0000"/>
             </a:solidFill>
           </a:ln>
         </p:spPr>
         <p:style>
-          <a:lnRef idx="0"/>
-          <a:fillRef idx="0"/>
-          <a:effectRef idx="0"/>
+          <a:lnRef idx="0">
+            <a:scrgbClr r="0" g="0" b="0"/>
+          </a:lnRef>
+          <a:fillRef idx="0">
+            <a:scrgbClr r="0" g="0" b="0"/>
+          </a:fillRef>
+          <a:effectRef idx="0">
+            <a:scrgbClr r="0" g="0" b="0"/>
+          </a:effectRef>
           <a:fontRef idx="minor"/>
         </p:style>
       </p:sp>
@@ -4578,19 +5123,17 @@
           </a:ln>
         </p:spPr>
         <p:txBody>
-          <a:bodyPr lIns="90000" rIns="90000" tIns="45000" bIns="45000">
+          <a:bodyPr lIns="90000" tIns="45000" rIns="90000" bIns="45000">
             <a:spAutoFit/>
           </a:bodyPr>
+          <a:lstStyle/>
           <a:p>
             <a:r>
-              <a:rPr b="0" lang="es-CR" sz="2400" spc="-1" strike="noStrike">
+              <a:rPr lang="es-CR" sz="2400" b="0" strike="noStrike" spc="-1">
                 <a:latin typeface="Arial"/>
               </a:rPr>
               <a:t>Esta es la función que modifica al State</a:t>
             </a:r>
-            <a:endParaRPr b="0" lang="es-CR" sz="2400" spc="-1" strike="noStrike">
-              <a:latin typeface="Arial"/>
-            </a:endParaRPr>
           </a:p>
         </p:txBody>
       </p:sp>
@@ -4609,6 +5152,7 @@
             <a:avLst/>
             <a:gdLst/>
             <a:ahLst/>
+            <a:cxnLst/>
             <a:rect l="0" t="0" r="r" b="b"/>
             <a:pathLst>
               <a:path w="1601" h="2602">
@@ -4640,18 +5184,24 @@
             </a:pathLst>
           </a:custGeom>
           <a:solidFill>
-            <a:srgbClr val="ffff00"/>
+            <a:srgbClr val="FFFF00"/>
           </a:solidFill>
           <a:ln>
             <a:solidFill>
-              <a:srgbClr val="ff0000"/>
+              <a:srgbClr val="FF0000"/>
             </a:solidFill>
           </a:ln>
         </p:spPr>
         <p:style>
-          <a:lnRef idx="0"/>
-          <a:fillRef idx="0"/>
-          <a:effectRef idx="0"/>
+          <a:lnRef idx="0">
+            <a:scrgbClr r="0" g="0" b="0"/>
+          </a:lnRef>
+          <a:fillRef idx="0">
+            <a:scrgbClr r="0" g="0" b="0"/>
+          </a:fillRef>
+          <a:effectRef idx="0">
+            <a:scrgbClr r="0" g="0" b="0"/>
+          </a:effectRef>
           <a:fontRef idx="minor"/>
         </p:style>
       </p:sp>
@@ -4675,48 +5225,41 @@
           </a:ln>
         </p:spPr>
         <p:txBody>
-          <a:bodyPr lIns="90000" rIns="90000" tIns="45000" bIns="45000">
+          <a:bodyPr lIns="90000" tIns="45000" rIns="90000" bIns="45000">
             <a:spAutoFit/>
           </a:bodyPr>
+          <a:lstStyle/>
           <a:p>
             <a:r>
-              <a:rPr b="0" lang="es-CR" sz="2400" spc="-1" strike="noStrike">
+              <a:rPr lang="es-CR" sz="2400" b="0" strike="noStrike" spc="-1">
                 <a:latin typeface="Arial"/>
               </a:rPr>
               <a:t>Este es el valor inicial</a:t>
             </a:r>
-            <a:endParaRPr b="0" lang="es-CR" sz="2400" spc="-1" strike="noStrike">
-              <a:latin typeface="Arial"/>
-            </a:endParaRPr>
           </a:p>
         </p:txBody>
       </p:sp>
     </p:spTree>
   </p:cSld>
-  <mc:AlternateContent>
-    <mc:Choice Requires="p14">
-      <p:transition spd="slow" p14:dur="2000"/>
-    </mc:Choice>
-    <mc:Fallback>
-      <p:transition spd="slow"/>
-    </mc:Fallback>
-  </mc:AlternateContent>
+  <p:clrMapOvr>
+    <a:masterClrMapping/>
+  </p:clrMapOvr>
   <p:timing>
     <p:tnLst>
       <p:par>
-        <p:cTn id="9" dur="indefinite" restart="never" nodeType="tmRoot">
+        <p:cTn id="1" dur="indefinite" restart="never" nodeType="tmRoot">
           <p:childTnLst>
             <p:seq>
-              <p:cTn id="10" dur="indefinite" nodeType="mainSeq"/>
+              <p:cTn id="2" dur="indefinite" nodeType="mainSeq"/>
               <p:prevCondLst>
-                <p:cond delay="0" evt="onPrev">
+                <p:cond evt="onPrev" delay="0">
                   <p:tgtEl>
                     <p:sldTgt/>
                   </p:tgtEl>
                 </p:cond>
               </p:prevCondLst>
               <p:nextCondLst>
-                <p:cond delay="0" evt="onNext">
+                <p:cond evt="onNext" delay="0">
                   <p:tgtEl>
                     <p:sldTgt/>
                   </p:tgtEl>
@@ -4732,7 +5275,7 @@
 </file>
 
 <file path=ppt/slides/slide6.xml><?xml version="1.0" encoding="utf-8"?>
-<p:sld xmlns:a="http://schemas.openxmlformats.org/drawingml/2006/main" xmlns:p="http://schemas.openxmlformats.org/presentationml/2006/main" xmlns:r="http://schemas.openxmlformats.org/officeDocument/2006/relationships" xmlns:p14="http://schemas.microsoft.com/office/powerpoint/2010/main" xmlns:p15="http://schemas.microsoft.com/office/powerpoint/2012/main" xmlns:mc="http://schemas.openxmlformats.org/markup-compatibility/2006">
+<p:sld xmlns:a="http://schemas.openxmlformats.org/drawingml/2006/main" xmlns:r="http://schemas.openxmlformats.org/officeDocument/2006/relationships" xmlns:p="http://schemas.openxmlformats.org/presentationml/2006/main">
   <p:cSld>
     <p:spTree>
       <p:nvGrpSpPr>
@@ -4768,15 +5311,22 @@
           </a:ln>
         </p:spPr>
         <p:style>
-          <a:lnRef idx="0"/>
-          <a:fillRef idx="0"/>
-          <a:effectRef idx="0"/>
+          <a:lnRef idx="0">
+            <a:scrgbClr r="0" g="0" b="0"/>
+          </a:lnRef>
+          <a:fillRef idx="0">
+            <a:scrgbClr r="0" g="0" b="0"/>
+          </a:fillRef>
+          <a:effectRef idx="0">
+            <a:scrgbClr r="0" g="0" b="0"/>
+          </a:effectRef>
           <a:fontRef idx="minor"/>
         </p:style>
         <p:txBody>
-          <a:bodyPr lIns="0" rIns="0" tIns="0" bIns="0" anchor="ctr">
+          <a:bodyPr lIns="0" tIns="0" rIns="0" bIns="0" anchor="ctr">
             <a:spAutoFit/>
           </a:bodyPr>
+          <a:lstStyle/>
           <a:p>
             <a:pPr algn="ctr">
               <a:lnSpc>
@@ -4784,7 +5334,7 @@
               </a:lnSpc>
             </a:pPr>
             <a:r>
-              <a:rPr b="0" lang="es-CR" sz="4000" spc="-1" strike="noStrike">
+              <a:rPr lang="es-CR" sz="4000" b="0" strike="noStrike" spc="-1">
                 <a:solidFill>
                   <a:srgbClr val="000000"/>
                 </a:solidFill>
@@ -4793,7 +5343,7 @@
               </a:rPr>
               <a:t>Muchas gracias </a:t>
             </a:r>
-            <a:endParaRPr b="0" lang="es-CR" sz="4000" spc="-1" strike="noStrike">
+            <a:endParaRPr lang="es-CR" sz="4000" b="0" strike="noStrike" spc="-1">
               <a:latin typeface="Arial"/>
             </a:endParaRPr>
           </a:p>
@@ -4807,8 +5357,8 @@
         </p:nvSpPr>
         <p:spPr>
           <a:xfrm>
-            <a:off x="936000" y="3677040"/>
-            <a:ext cx="8710560" cy="426600"/>
+            <a:off x="2464462" y="3953482"/>
+            <a:ext cx="5294715" cy="430887"/>
           </a:xfrm>
           <a:prstGeom prst="rect">
             <a:avLst/>
@@ -4819,15 +5369,22 @@
           </a:ln>
         </p:spPr>
         <p:style>
-          <a:lnRef idx="0"/>
-          <a:fillRef idx="0"/>
-          <a:effectRef idx="0"/>
+          <a:lnRef idx="0">
+            <a:scrgbClr r="0" g="0" b="0"/>
+          </a:lnRef>
+          <a:fillRef idx="0">
+            <a:scrgbClr r="0" g="0" b="0"/>
+          </a:fillRef>
+          <a:effectRef idx="0">
+            <a:scrgbClr r="0" g="0" b="0"/>
+          </a:effectRef>
           <a:fontRef idx="minor"/>
         </p:style>
         <p:txBody>
-          <a:bodyPr lIns="0" rIns="0" tIns="0" bIns="0" anchor="ctr">
+          <a:bodyPr wrap="square" lIns="0" tIns="0" rIns="0" bIns="0" anchor="ctr">
             <a:spAutoFit/>
           </a:bodyPr>
+          <a:lstStyle/>
           <a:p>
             <a:pPr>
               <a:lnSpc>
@@ -4835,7 +5392,7 @@
               </a:lnSpc>
             </a:pPr>
             <a:r>
-              <a:rPr b="0" lang="es-CR" sz="2800" spc="-1" strike="noStrike">
+              <a:rPr lang="es-CR" sz="2800" b="0" strike="noStrike" spc="-1" dirty="0">
                 <a:solidFill>
                   <a:srgbClr val="000000"/>
                 </a:solidFill>
@@ -4844,7 +5401,7 @@
               </a:rPr>
               <a:t>Vea el curso básico completo en:</a:t>
             </a:r>
-            <a:endParaRPr b="0" lang="es-CR" sz="2800" spc="-1" strike="noStrike">
+            <a:endParaRPr lang="es-CR" sz="2800" b="0" strike="noStrike" spc="-1" dirty="0">
               <a:latin typeface="Arial"/>
             </a:endParaRPr>
           </a:p>
@@ -4858,8 +5415,8 @@
         </p:nvSpPr>
         <p:spPr>
           <a:xfrm>
-            <a:off x="966600" y="4248000"/>
-            <a:ext cx="6089040" cy="456120"/>
+            <a:off x="2392954" y="4389931"/>
+            <a:ext cx="5294715" cy="456120"/>
           </a:xfrm>
           <a:prstGeom prst="rect">
             <a:avLst/>
@@ -4870,15 +5427,22 @@
           </a:ln>
         </p:spPr>
         <p:style>
-          <a:lnRef idx="0"/>
-          <a:fillRef idx="0"/>
-          <a:effectRef idx="0"/>
+          <a:lnRef idx="0">
+            <a:scrgbClr r="0" g="0" b="0"/>
+          </a:lnRef>
+          <a:fillRef idx="0">
+            <a:scrgbClr r="0" g="0" b="0"/>
+          </a:fillRef>
+          <a:effectRef idx="0">
+            <a:scrgbClr r="0" g="0" b="0"/>
+          </a:effectRef>
           <a:fontRef idx="minor"/>
         </p:style>
         <p:txBody>
-          <a:bodyPr lIns="90000" rIns="90000" tIns="45000" bIns="45000">
+          <a:bodyPr wrap="square" lIns="90000" tIns="45000" rIns="90000" bIns="45000">
             <a:spAutoFit/>
           </a:bodyPr>
+          <a:lstStyle/>
           <a:p>
             <a:pPr marL="216000" indent="-215640">
               <a:lnSpc>
@@ -4898,17 +5462,17 @@
               <a:buChar char=""/>
             </a:pPr>
             <a:r>
-              <a:rPr b="0" lang="es-CR" sz="2400" spc="-1" strike="noStrike" u="sng">
+              <a:rPr lang="es-CR" sz="2400" b="0" u="sng" strike="noStrike" spc="-1" dirty="0">
                 <a:solidFill>
-                  <a:srgbClr val="0000ff"/>
+                  <a:srgbClr val="0000FF"/>
                 </a:solidFill>
                 <a:uFillTx/>
                 <a:latin typeface="Arial"/>
-                <a:hlinkClick r:id="rId1"/>
+                <a:hlinkClick r:id="rId2"/>
               </a:rPr>
               <a:t>https://profesantiago.github.io/React</a:t>
             </a:r>
-            <a:endParaRPr b="0" lang="es-CR" sz="2400" spc="-1" strike="noStrike">
+            <a:endParaRPr lang="es-CR" sz="2400" b="0" strike="noStrike" spc="-1" dirty="0">
               <a:latin typeface="Arial"/>
             </a:endParaRPr>
           </a:p>
@@ -4916,30 +5480,25 @@
       </p:sp>
     </p:spTree>
   </p:cSld>
-  <mc:AlternateContent>
-    <mc:Choice Requires="p14">
-      <p:transition spd="slow" p14:dur="2000"/>
-    </mc:Choice>
-    <mc:Fallback>
-      <p:transition spd="slow"/>
-    </mc:Fallback>
-  </mc:AlternateContent>
+  <p:clrMapOvr>
+    <a:masterClrMapping/>
+  </p:clrMapOvr>
   <p:timing>
     <p:tnLst>
       <p:par>
-        <p:cTn id="11" dur="indefinite" restart="never" nodeType="tmRoot">
+        <p:cTn id="1" dur="indefinite" restart="never" nodeType="tmRoot">
           <p:childTnLst>
             <p:seq>
-              <p:cTn id="12" dur="indefinite" nodeType="mainSeq"/>
+              <p:cTn id="2" dur="indefinite" nodeType="mainSeq"/>
               <p:prevCondLst>
-                <p:cond delay="0" evt="onPrev">
+                <p:cond evt="onPrev" delay="0">
                   <p:tgtEl>
                     <p:sldTgt/>
                   </p:tgtEl>
                 </p:cond>
               </p:prevCondLst>
               <p:nextCondLst>
-                <p:cond delay="0" evt="onNext">
+                <p:cond evt="onNext" delay="0">
                   <p:tgtEl>
                     <p:sldTgt/>
                   </p:tgtEl>
@@ -4965,31 +5524,31 @@
         <a:sysClr val="window" lastClr="FFFFFF"/>
       </a:lt1>
       <a:dk2>
-        <a:srgbClr val="1f497d"/>
+        <a:srgbClr val="1F497D"/>
       </a:dk2>
       <a:lt2>
-        <a:srgbClr val="eeece1"/>
+        <a:srgbClr val="EEECE1"/>
       </a:lt2>
       <a:accent1>
-        <a:srgbClr val="4f81bd"/>
+        <a:srgbClr val="4F81BD"/>
       </a:accent1>
       <a:accent2>
-        <a:srgbClr val="c0504d"/>
+        <a:srgbClr val="C0504D"/>
       </a:accent2>
       <a:accent3>
-        <a:srgbClr val="9bbb59"/>
+        <a:srgbClr val="9BBB59"/>
       </a:accent3>
       <a:accent4>
-        <a:srgbClr val="8064a2"/>
+        <a:srgbClr val="8064A2"/>
       </a:accent4>
       <a:accent5>
-        <a:srgbClr val="4bacc6"/>
+        <a:srgbClr val="4BACC6"/>
       </a:accent5>
       <a:accent6>
-        <a:srgbClr val="f79646"/>
+        <a:srgbClr val="F79646"/>
       </a:accent6>
       <a:hlink>
-        <a:srgbClr val="0000ff"/>
+        <a:srgbClr val="0000FF"/>
       </a:hlink>
       <a:folHlink>
         <a:srgbClr val="800080"/>
@@ -5174,6 +5733,8 @@
       </a:bgFillStyleLst>
     </a:fmtScheme>
   </a:themeElements>
+  <a:objectDefaults/>
+  <a:extraClrSchemeLst/>
 </a:theme>
 </file>
 
@@ -5188,31 +5749,31 @@
         <a:sysClr val="window" lastClr="FFFFFF"/>
       </a:lt1>
       <a:dk2>
-        <a:srgbClr val="1f497d"/>
+        <a:srgbClr val="1F497D"/>
       </a:dk2>
       <a:lt2>
-        <a:srgbClr val="eeece1"/>
+        <a:srgbClr val="EEECE1"/>
       </a:lt2>
       <a:accent1>
-        <a:srgbClr val="4f81bd"/>
+        <a:srgbClr val="4F81BD"/>
       </a:accent1>
       <a:accent2>
-        <a:srgbClr val="c0504d"/>
+        <a:srgbClr val="C0504D"/>
       </a:accent2>
       <a:accent3>
-        <a:srgbClr val="9bbb59"/>
+        <a:srgbClr val="9BBB59"/>
       </a:accent3>
       <a:accent4>
-        <a:srgbClr val="8064a2"/>
+        <a:srgbClr val="8064A2"/>
       </a:accent4>
       <a:accent5>
-        <a:srgbClr val="4bacc6"/>
+        <a:srgbClr val="4BACC6"/>
       </a:accent5>
       <a:accent6>
-        <a:srgbClr val="f79646"/>
+        <a:srgbClr val="F79646"/>
       </a:accent6>
       <a:hlink>
-        <a:srgbClr val="0000ff"/>
+        <a:srgbClr val="0000FF"/>
       </a:hlink>
       <a:folHlink>
         <a:srgbClr val="800080"/>
@@ -5397,5 +5958,7 @@
       </a:bgFillStyleLst>
     </a:fmtScheme>
   </a:themeElements>
+  <a:objectDefaults/>
+  <a:extraClrSchemeLst/>
 </a:theme>
 </file>